--- a/TemporalPPT.pptx
+++ b/TemporalPPT.pptx
@@ -7,6 +7,7 @@
   <p:sldIdLst>
     <p:sldId id="256" r:id="rId2"/>
     <p:sldId id="257" r:id="rId3"/>
+    <p:sldId id="258" r:id="rId4"/>
   </p:sldIdLst>
   <p:sldSz cx="12192000" cy="6858000"/>
   <p:notesSz cx="6858000" cy="9144000"/>
@@ -105,6 +106,11 @@
       </a:defRPr>
     </a:lvl9pPr>
   </p:defaultTextStyle>
+  <p:extLst>
+    <p:ext uri="{EFAFB233-063F-42B5-8137-9DF3F51BA10A}">
+      <p15:sldGuideLst xmlns:p15="http://schemas.microsoft.com/office/powerpoint/2012/main"/>
+    </p:ext>
+  </p:extLst>
 </p:presentation>
 </file>
 
@@ -3446,7 +3452,7 @@
             <p:ph idx="1"/>
             <p:extLst>
               <p:ext uri="{D42A27DB-BD31-4B8C-83A1-F6EECF244321}">
-                <p14:modId xmlns:p14="http://schemas.microsoft.com/office/powerpoint/2010/main" val="2688747255"/>
+                <p14:modId xmlns:p14="http://schemas.microsoft.com/office/powerpoint/2010/main" val="4264015051"/>
               </p:ext>
             </p:extLst>
           </p:nvPr>
@@ -4175,6 +4181,613 @@
     <p:extLst>
       <p:ext uri="{BB962C8B-B14F-4D97-AF65-F5344CB8AC3E}">
         <p14:creationId xmlns:p14="http://schemas.microsoft.com/office/powerpoint/2010/main" val="1831473619"/>
+      </p:ext>
+    </p:extLst>
+  </p:cSld>
+  <p:clrMapOvr>
+    <a:masterClrMapping/>
+  </p:clrMapOvr>
+</p:sld>
+</file>
+
+<file path=ppt/slides/slide3.xml><?xml version="1.0" encoding="utf-8"?>
+<p:sld xmlns:a="http://schemas.openxmlformats.org/drawingml/2006/main" xmlns:r="http://schemas.openxmlformats.org/officeDocument/2006/relationships" xmlns:p="http://schemas.openxmlformats.org/presentationml/2006/main">
+  <p:cSld>
+    <p:spTree>
+      <p:nvGrpSpPr>
+        <p:cNvPr id="1" name=""/>
+        <p:cNvGrpSpPr/>
+        <p:nvPr/>
+      </p:nvGrpSpPr>
+      <p:grpSpPr>
+        <a:xfrm>
+          <a:off x="0" y="0"/>
+          <a:ext cx="0" cy="0"/>
+          <a:chOff x="0" y="0"/>
+          <a:chExt cx="0" cy="0"/>
+        </a:xfrm>
+      </p:grpSpPr>
+      <p:sp>
+        <p:nvSpPr>
+          <p:cNvPr id="2" name="Title 1">
+            <a:extLst>
+              <a:ext uri="{FF2B5EF4-FFF2-40B4-BE49-F238E27FC236}">
+                <a16:creationId xmlns:a16="http://schemas.microsoft.com/office/drawing/2014/main" id="{991E20E6-9F80-41C0-84D9-36CB09DC6973}"/>
+              </a:ext>
+            </a:extLst>
+          </p:cNvPr>
+          <p:cNvSpPr>
+            <a:spLocks noGrp="1"/>
+          </p:cNvSpPr>
+          <p:nvPr>
+            <p:ph type="title"/>
+          </p:nvPr>
+        </p:nvSpPr>
+        <p:spPr/>
+        <p:txBody>
+          <a:bodyPr/>
+          <a:lstStyle/>
+          <a:p>
+            <a:r>
+              <a:rPr lang="en-US" dirty="0"/>
+              <a:t>Temporal Performance Testing(Horizontal)</a:t>
+            </a:r>
+          </a:p>
+        </p:txBody>
+      </p:sp>
+      <p:graphicFrame>
+        <p:nvGraphicFramePr>
+          <p:cNvPr id="10" name="Table 10">
+            <a:extLst>
+              <a:ext uri="{FF2B5EF4-FFF2-40B4-BE49-F238E27FC236}">
+                <a16:creationId xmlns:a16="http://schemas.microsoft.com/office/drawing/2014/main" id="{3D8B9EE1-4BF8-41F9-BB74-9BA7C2E14839}"/>
+              </a:ext>
+            </a:extLst>
+          </p:cNvPr>
+          <p:cNvGraphicFramePr>
+            <a:graphicFrameLocks noGrp="1"/>
+          </p:cNvGraphicFramePr>
+          <p:nvPr>
+            <p:ph idx="1"/>
+            <p:extLst>
+              <p:ext uri="{D42A27DB-BD31-4B8C-83A1-F6EECF244321}">
+                <p14:modId xmlns:p14="http://schemas.microsoft.com/office/powerpoint/2010/main" val="3640223143"/>
+              </p:ext>
+            </p:extLst>
+          </p:nvPr>
+        </p:nvGraphicFramePr>
+        <p:xfrm>
+          <a:off x="838200" y="1825625"/>
+          <a:ext cx="10515600" cy="3235960"/>
+        </p:xfrm>
+        <a:graphic>
+          <a:graphicData uri="http://schemas.openxmlformats.org/drawingml/2006/table">
+            <a:tbl>
+              <a:tblPr firstRow="1" bandRow="1">
+                <a:tableStyleId>{5C22544A-7EE6-4342-B048-85BDC9FD1C3A}</a:tableStyleId>
+              </a:tblPr>
+              <a:tblGrid>
+                <a:gridCol w="2103120">
+                  <a:extLst>
+                    <a:ext uri="{9D8B030D-6E8A-4147-A177-3AD203B41FA5}">
+                      <a16:colId xmlns:a16="http://schemas.microsoft.com/office/drawing/2014/main" val="1214166276"/>
+                    </a:ext>
+                  </a:extLst>
+                </a:gridCol>
+                <a:gridCol w="2103120">
+                  <a:extLst>
+                    <a:ext uri="{9D8B030D-6E8A-4147-A177-3AD203B41FA5}">
+                      <a16:colId xmlns:a16="http://schemas.microsoft.com/office/drawing/2014/main" val="1832883536"/>
+                    </a:ext>
+                  </a:extLst>
+                </a:gridCol>
+                <a:gridCol w="2103120">
+                  <a:extLst>
+                    <a:ext uri="{9D8B030D-6E8A-4147-A177-3AD203B41FA5}">
+                      <a16:colId xmlns:a16="http://schemas.microsoft.com/office/drawing/2014/main" val="679099795"/>
+                    </a:ext>
+                  </a:extLst>
+                </a:gridCol>
+                <a:gridCol w="2103120">
+                  <a:extLst>
+                    <a:ext uri="{9D8B030D-6E8A-4147-A177-3AD203B41FA5}">
+                      <a16:colId xmlns:a16="http://schemas.microsoft.com/office/drawing/2014/main" val="714810106"/>
+                    </a:ext>
+                  </a:extLst>
+                </a:gridCol>
+                <a:gridCol w="2103120">
+                  <a:extLst>
+                    <a:ext uri="{9D8B030D-6E8A-4147-A177-3AD203B41FA5}">
+                      <a16:colId xmlns:a16="http://schemas.microsoft.com/office/drawing/2014/main" val="515704752"/>
+                    </a:ext>
+                  </a:extLst>
+                </a:gridCol>
+              </a:tblGrid>
+              <a:tr h="370840">
+                <a:tc>
+                  <a:txBody>
+                    <a:bodyPr/>
+                    <a:lstStyle/>
+                    <a:p>
+                      <a:r>
+                        <a:rPr lang="en-US" dirty="0"/>
+                        <a:t>THREADS</a:t>
+                      </a:r>
+                    </a:p>
+                  </a:txBody>
+                  <a:tcPr/>
+                </a:tc>
+                <a:tc>
+                  <a:txBody>
+                    <a:bodyPr/>
+                    <a:lstStyle/>
+                    <a:p>
+                      <a:r>
+                        <a:rPr lang="en-US" dirty="0"/>
+                        <a:t>AVERAGE</a:t>
+                      </a:r>
+                    </a:p>
+                  </a:txBody>
+                  <a:tcPr/>
+                </a:tc>
+                <a:tc>
+                  <a:txBody>
+                    <a:bodyPr/>
+                    <a:lstStyle/>
+                    <a:p>
+                      <a:r>
+                        <a:rPr lang="en-US" dirty="0"/>
+                        <a:t>THROUGHPUT</a:t>
+                      </a:r>
+                    </a:p>
+                  </a:txBody>
+                  <a:tcPr/>
+                </a:tc>
+                <a:tc>
+                  <a:txBody>
+                    <a:bodyPr/>
+                    <a:lstStyle/>
+                    <a:p>
+                      <a:r>
+                        <a:rPr lang="en-US" dirty="0"/>
+                        <a:t>CPU USAGE(TEMPORAL)</a:t>
+                      </a:r>
+                    </a:p>
+                  </a:txBody>
+                  <a:tcPr/>
+                </a:tc>
+                <a:tc>
+                  <a:txBody>
+                    <a:bodyPr/>
+                    <a:lstStyle/>
+                    <a:p>
+                      <a:r>
+                        <a:rPr lang="en-US" dirty="0"/>
+                        <a:t>CPU </a:t>
+                      </a:r>
+                    </a:p>
+                    <a:p>
+                      <a:r>
+                        <a:rPr lang="en-US" dirty="0"/>
+                        <a:t>USAGE(DEMO)</a:t>
+                      </a:r>
+                    </a:p>
+                  </a:txBody>
+                  <a:tcPr/>
+                </a:tc>
+                <a:extLst>
+                  <a:ext uri="{0D108BD9-81ED-4DB2-BD59-A6C34878D82A}">
+                    <a16:rowId xmlns:a16="http://schemas.microsoft.com/office/drawing/2014/main" val="1543060130"/>
+                  </a:ext>
+                </a:extLst>
+              </a:tr>
+              <a:tr h="370840">
+                <a:tc>
+                  <a:txBody>
+                    <a:bodyPr/>
+                    <a:lstStyle/>
+                    <a:p>
+                      <a:endParaRPr lang="en-US"/>
+                    </a:p>
+                  </a:txBody>
+                  <a:tcPr/>
+                </a:tc>
+                <a:tc>
+                  <a:txBody>
+                    <a:bodyPr/>
+                    <a:lstStyle/>
+                    <a:p>
+                      <a:endParaRPr lang="en-US"/>
+                    </a:p>
+                  </a:txBody>
+                  <a:tcPr/>
+                </a:tc>
+                <a:tc>
+                  <a:txBody>
+                    <a:bodyPr/>
+                    <a:lstStyle/>
+                    <a:p>
+                      <a:endParaRPr lang="en-US"/>
+                    </a:p>
+                  </a:txBody>
+                  <a:tcPr/>
+                </a:tc>
+                <a:tc>
+                  <a:txBody>
+                    <a:bodyPr/>
+                    <a:lstStyle/>
+                    <a:p>
+                      <a:endParaRPr lang="en-US"/>
+                    </a:p>
+                  </a:txBody>
+                  <a:tcPr/>
+                </a:tc>
+                <a:tc>
+                  <a:txBody>
+                    <a:bodyPr/>
+                    <a:lstStyle/>
+                    <a:p>
+                      <a:endParaRPr lang="en-US"/>
+                    </a:p>
+                  </a:txBody>
+                  <a:tcPr/>
+                </a:tc>
+                <a:extLst>
+                  <a:ext uri="{0D108BD9-81ED-4DB2-BD59-A6C34878D82A}">
+                    <a16:rowId xmlns:a16="http://schemas.microsoft.com/office/drawing/2014/main" val="3105673595"/>
+                  </a:ext>
+                </a:extLst>
+              </a:tr>
+              <a:tr h="370840">
+                <a:tc>
+                  <a:txBody>
+                    <a:bodyPr/>
+                    <a:lstStyle/>
+                    <a:p>
+                      <a:endParaRPr lang="en-US"/>
+                    </a:p>
+                  </a:txBody>
+                  <a:tcPr/>
+                </a:tc>
+                <a:tc>
+                  <a:txBody>
+                    <a:bodyPr/>
+                    <a:lstStyle/>
+                    <a:p>
+                      <a:endParaRPr lang="en-US"/>
+                    </a:p>
+                  </a:txBody>
+                  <a:tcPr/>
+                </a:tc>
+                <a:tc>
+                  <a:txBody>
+                    <a:bodyPr/>
+                    <a:lstStyle/>
+                    <a:p>
+                      <a:endParaRPr lang="en-US"/>
+                    </a:p>
+                  </a:txBody>
+                  <a:tcPr/>
+                </a:tc>
+                <a:tc>
+                  <a:txBody>
+                    <a:bodyPr/>
+                    <a:lstStyle/>
+                    <a:p>
+                      <a:endParaRPr lang="en-US"/>
+                    </a:p>
+                  </a:txBody>
+                  <a:tcPr/>
+                </a:tc>
+                <a:tc>
+                  <a:txBody>
+                    <a:bodyPr/>
+                    <a:lstStyle/>
+                    <a:p>
+                      <a:endParaRPr lang="en-US"/>
+                    </a:p>
+                  </a:txBody>
+                  <a:tcPr/>
+                </a:tc>
+                <a:extLst>
+                  <a:ext uri="{0D108BD9-81ED-4DB2-BD59-A6C34878D82A}">
+                    <a16:rowId xmlns:a16="http://schemas.microsoft.com/office/drawing/2014/main" val="4086194718"/>
+                  </a:ext>
+                </a:extLst>
+              </a:tr>
+              <a:tr h="370840">
+                <a:tc>
+                  <a:txBody>
+                    <a:bodyPr/>
+                    <a:lstStyle/>
+                    <a:p>
+                      <a:endParaRPr lang="en-US"/>
+                    </a:p>
+                  </a:txBody>
+                  <a:tcPr/>
+                </a:tc>
+                <a:tc>
+                  <a:txBody>
+                    <a:bodyPr/>
+                    <a:lstStyle/>
+                    <a:p>
+                      <a:endParaRPr lang="en-US"/>
+                    </a:p>
+                  </a:txBody>
+                  <a:tcPr/>
+                </a:tc>
+                <a:tc>
+                  <a:txBody>
+                    <a:bodyPr/>
+                    <a:lstStyle/>
+                    <a:p>
+                      <a:endParaRPr lang="en-US"/>
+                    </a:p>
+                  </a:txBody>
+                  <a:tcPr/>
+                </a:tc>
+                <a:tc>
+                  <a:txBody>
+                    <a:bodyPr/>
+                    <a:lstStyle/>
+                    <a:p>
+                      <a:endParaRPr lang="en-US"/>
+                    </a:p>
+                  </a:txBody>
+                  <a:tcPr/>
+                </a:tc>
+                <a:tc>
+                  <a:txBody>
+                    <a:bodyPr/>
+                    <a:lstStyle/>
+                    <a:p>
+                      <a:endParaRPr lang="en-US"/>
+                    </a:p>
+                  </a:txBody>
+                  <a:tcPr/>
+                </a:tc>
+                <a:extLst>
+                  <a:ext uri="{0D108BD9-81ED-4DB2-BD59-A6C34878D82A}">
+                    <a16:rowId xmlns:a16="http://schemas.microsoft.com/office/drawing/2014/main" val="3962049362"/>
+                  </a:ext>
+                </a:extLst>
+              </a:tr>
+              <a:tr h="370840">
+                <a:tc>
+                  <a:txBody>
+                    <a:bodyPr/>
+                    <a:lstStyle/>
+                    <a:p>
+                      <a:endParaRPr lang="en-US"/>
+                    </a:p>
+                  </a:txBody>
+                  <a:tcPr/>
+                </a:tc>
+                <a:tc>
+                  <a:txBody>
+                    <a:bodyPr/>
+                    <a:lstStyle/>
+                    <a:p>
+                      <a:endParaRPr lang="en-US"/>
+                    </a:p>
+                  </a:txBody>
+                  <a:tcPr/>
+                </a:tc>
+                <a:tc>
+                  <a:txBody>
+                    <a:bodyPr/>
+                    <a:lstStyle/>
+                    <a:p>
+                      <a:endParaRPr lang="en-US"/>
+                    </a:p>
+                  </a:txBody>
+                  <a:tcPr/>
+                </a:tc>
+                <a:tc>
+                  <a:txBody>
+                    <a:bodyPr/>
+                    <a:lstStyle/>
+                    <a:p>
+                      <a:endParaRPr lang="en-US"/>
+                    </a:p>
+                  </a:txBody>
+                  <a:tcPr/>
+                </a:tc>
+                <a:tc>
+                  <a:txBody>
+                    <a:bodyPr/>
+                    <a:lstStyle/>
+                    <a:p>
+                      <a:endParaRPr lang="en-US"/>
+                    </a:p>
+                  </a:txBody>
+                  <a:tcPr/>
+                </a:tc>
+                <a:extLst>
+                  <a:ext uri="{0D108BD9-81ED-4DB2-BD59-A6C34878D82A}">
+                    <a16:rowId xmlns:a16="http://schemas.microsoft.com/office/drawing/2014/main" val="2368620996"/>
+                  </a:ext>
+                </a:extLst>
+              </a:tr>
+              <a:tr h="370840">
+                <a:tc>
+                  <a:txBody>
+                    <a:bodyPr/>
+                    <a:lstStyle/>
+                    <a:p>
+                      <a:endParaRPr lang="en-US"/>
+                    </a:p>
+                  </a:txBody>
+                  <a:tcPr/>
+                </a:tc>
+                <a:tc>
+                  <a:txBody>
+                    <a:bodyPr/>
+                    <a:lstStyle/>
+                    <a:p>
+                      <a:endParaRPr lang="en-US"/>
+                    </a:p>
+                  </a:txBody>
+                  <a:tcPr/>
+                </a:tc>
+                <a:tc>
+                  <a:txBody>
+                    <a:bodyPr/>
+                    <a:lstStyle/>
+                    <a:p>
+                      <a:endParaRPr lang="en-US"/>
+                    </a:p>
+                  </a:txBody>
+                  <a:tcPr/>
+                </a:tc>
+                <a:tc>
+                  <a:txBody>
+                    <a:bodyPr/>
+                    <a:lstStyle/>
+                    <a:p>
+                      <a:endParaRPr lang="en-US"/>
+                    </a:p>
+                  </a:txBody>
+                  <a:tcPr/>
+                </a:tc>
+                <a:tc>
+                  <a:txBody>
+                    <a:bodyPr/>
+                    <a:lstStyle/>
+                    <a:p>
+                      <a:endParaRPr lang="en-US"/>
+                    </a:p>
+                  </a:txBody>
+                  <a:tcPr/>
+                </a:tc>
+                <a:extLst>
+                  <a:ext uri="{0D108BD9-81ED-4DB2-BD59-A6C34878D82A}">
+                    <a16:rowId xmlns:a16="http://schemas.microsoft.com/office/drawing/2014/main" val="3009985598"/>
+                  </a:ext>
+                </a:extLst>
+              </a:tr>
+              <a:tr h="370840">
+                <a:tc>
+                  <a:txBody>
+                    <a:bodyPr/>
+                    <a:lstStyle/>
+                    <a:p>
+                      <a:endParaRPr lang="en-US"/>
+                    </a:p>
+                  </a:txBody>
+                  <a:tcPr/>
+                </a:tc>
+                <a:tc>
+                  <a:txBody>
+                    <a:bodyPr/>
+                    <a:lstStyle/>
+                    <a:p>
+                      <a:endParaRPr lang="en-US"/>
+                    </a:p>
+                  </a:txBody>
+                  <a:tcPr/>
+                </a:tc>
+                <a:tc>
+                  <a:txBody>
+                    <a:bodyPr/>
+                    <a:lstStyle/>
+                    <a:p>
+                      <a:endParaRPr lang="en-US"/>
+                    </a:p>
+                  </a:txBody>
+                  <a:tcPr/>
+                </a:tc>
+                <a:tc>
+                  <a:txBody>
+                    <a:bodyPr/>
+                    <a:lstStyle/>
+                    <a:p>
+                      <a:endParaRPr lang="en-US"/>
+                    </a:p>
+                  </a:txBody>
+                  <a:tcPr/>
+                </a:tc>
+                <a:tc>
+                  <a:txBody>
+                    <a:bodyPr/>
+                    <a:lstStyle/>
+                    <a:p>
+                      <a:endParaRPr lang="en-US"/>
+                    </a:p>
+                  </a:txBody>
+                  <a:tcPr/>
+                </a:tc>
+                <a:extLst>
+                  <a:ext uri="{0D108BD9-81ED-4DB2-BD59-A6C34878D82A}">
+                    <a16:rowId xmlns:a16="http://schemas.microsoft.com/office/drawing/2014/main" val="2375875282"/>
+                  </a:ext>
+                </a:extLst>
+              </a:tr>
+              <a:tr h="370840">
+                <a:tc>
+                  <a:txBody>
+                    <a:bodyPr/>
+                    <a:lstStyle/>
+                    <a:p>
+                      <a:endParaRPr lang="en-US"/>
+                    </a:p>
+                  </a:txBody>
+                  <a:tcPr/>
+                </a:tc>
+                <a:tc>
+                  <a:txBody>
+                    <a:bodyPr/>
+                    <a:lstStyle/>
+                    <a:p>
+                      <a:endParaRPr lang="en-US"/>
+                    </a:p>
+                  </a:txBody>
+                  <a:tcPr/>
+                </a:tc>
+                <a:tc>
+                  <a:txBody>
+                    <a:bodyPr/>
+                    <a:lstStyle/>
+                    <a:p>
+                      <a:endParaRPr lang="en-US"/>
+                    </a:p>
+                  </a:txBody>
+                  <a:tcPr/>
+                </a:tc>
+                <a:tc>
+                  <a:txBody>
+                    <a:bodyPr/>
+                    <a:lstStyle/>
+                    <a:p>
+                      <a:endParaRPr lang="en-US"/>
+                    </a:p>
+                  </a:txBody>
+                  <a:tcPr/>
+                </a:tc>
+                <a:tc>
+                  <a:txBody>
+                    <a:bodyPr/>
+                    <a:lstStyle/>
+                    <a:p>
+                      <a:endParaRPr lang="en-US" dirty="0"/>
+                    </a:p>
+                  </a:txBody>
+                  <a:tcPr/>
+                </a:tc>
+                <a:extLst>
+                  <a:ext uri="{0D108BD9-81ED-4DB2-BD59-A6C34878D82A}">
+                    <a16:rowId xmlns:a16="http://schemas.microsoft.com/office/drawing/2014/main" val="834111661"/>
+                  </a:ext>
+                </a:extLst>
+              </a:tr>
+            </a:tbl>
+          </a:graphicData>
+        </a:graphic>
+      </p:graphicFrame>
+    </p:spTree>
+    <p:extLst>
+      <p:ext uri="{BB962C8B-B14F-4D97-AF65-F5344CB8AC3E}">
+        <p14:creationId xmlns:p14="http://schemas.microsoft.com/office/powerpoint/2010/main" val="1509296860"/>
       </p:ext>
     </p:extLst>
   </p:cSld>

--- a/TemporalPPT.pptx
+++ b/TemporalPPT.pptx
@@ -5,9 +5,8 @@
     <p:sldMasterId id="2147483648" r:id="rId1"/>
   </p:sldMasterIdLst>
   <p:sldIdLst>
-    <p:sldId id="256" r:id="rId2"/>
-    <p:sldId id="257" r:id="rId3"/>
-    <p:sldId id="258" r:id="rId4"/>
+    <p:sldId id="257" r:id="rId2"/>
+    <p:sldId id="258" r:id="rId3"/>
   </p:sldIdLst>
   <p:sldSz cx="12192000" cy="6858000"/>
   <p:notesSz cx="6858000" cy="9144000"/>
@@ -3333,86 +3332,6 @@
           <p:cNvPr id="2" name="Title 1">
             <a:extLst>
               <a:ext uri="{FF2B5EF4-FFF2-40B4-BE49-F238E27FC236}">
-                <a16:creationId xmlns:a16="http://schemas.microsoft.com/office/drawing/2014/main" id="{9FDAC147-D3DA-412F-9194-EF85782EE8DB}"/>
-              </a:ext>
-            </a:extLst>
-          </p:cNvPr>
-          <p:cNvSpPr>
-            <a:spLocks noGrp="1"/>
-          </p:cNvSpPr>
-          <p:nvPr>
-            <p:ph type="ctrTitle"/>
-          </p:nvPr>
-        </p:nvSpPr>
-        <p:spPr/>
-        <p:txBody>
-          <a:bodyPr/>
-          <a:lstStyle/>
-          <a:p>
-            <a:endParaRPr lang="en-US"/>
-          </a:p>
-        </p:txBody>
-      </p:sp>
-      <p:sp>
-        <p:nvSpPr>
-          <p:cNvPr id="3" name="Subtitle 2">
-            <a:extLst>
-              <a:ext uri="{FF2B5EF4-FFF2-40B4-BE49-F238E27FC236}">
-                <a16:creationId xmlns:a16="http://schemas.microsoft.com/office/drawing/2014/main" id="{F5E1380E-6FC1-4C38-AD27-924D3E526FE2}"/>
-              </a:ext>
-            </a:extLst>
-          </p:cNvPr>
-          <p:cNvSpPr>
-            <a:spLocks noGrp="1"/>
-          </p:cNvSpPr>
-          <p:nvPr>
-            <p:ph type="subTitle" idx="1"/>
-          </p:nvPr>
-        </p:nvSpPr>
-        <p:spPr/>
-        <p:txBody>
-          <a:bodyPr/>
-          <a:lstStyle/>
-          <a:p>
-            <a:endParaRPr lang="en-US" dirty="0"/>
-          </a:p>
-        </p:txBody>
-      </p:sp>
-    </p:spTree>
-    <p:extLst>
-      <p:ext uri="{BB962C8B-B14F-4D97-AF65-F5344CB8AC3E}">
-        <p14:creationId xmlns:p14="http://schemas.microsoft.com/office/powerpoint/2010/main" val="3047978432"/>
-      </p:ext>
-    </p:extLst>
-  </p:cSld>
-  <p:clrMapOvr>
-    <a:masterClrMapping/>
-  </p:clrMapOvr>
-</p:sld>
-</file>
-
-<file path=ppt/slides/slide2.xml><?xml version="1.0" encoding="utf-8"?>
-<p:sld xmlns:a="http://schemas.openxmlformats.org/drawingml/2006/main" xmlns:r="http://schemas.openxmlformats.org/officeDocument/2006/relationships" xmlns:p="http://schemas.openxmlformats.org/presentationml/2006/main">
-  <p:cSld>
-    <p:spTree>
-      <p:nvGrpSpPr>
-        <p:cNvPr id="1" name=""/>
-        <p:cNvGrpSpPr/>
-        <p:nvPr/>
-      </p:nvGrpSpPr>
-      <p:grpSpPr>
-        <a:xfrm>
-          <a:off x="0" y="0"/>
-          <a:ext cx="0" cy="0"/>
-          <a:chOff x="0" y="0"/>
-          <a:chExt cx="0" cy="0"/>
-        </a:xfrm>
-      </p:grpSpPr>
-      <p:sp>
-        <p:nvSpPr>
-          <p:cNvPr id="2" name="Title 1">
-            <a:extLst>
-              <a:ext uri="{FF2B5EF4-FFF2-40B4-BE49-F238E27FC236}">
                 <a16:creationId xmlns:a16="http://schemas.microsoft.com/office/drawing/2014/main" id="{513BEB74-0FAC-4029-982B-DA7C1856FB8C}"/>
               </a:ext>
             </a:extLst>
@@ -4190,7 +4109,7 @@
 </p:sld>
 </file>
 
-<file path=ppt/slides/slide3.xml><?xml version="1.0" encoding="utf-8"?>
+<file path=ppt/slides/slide2.xml><?xml version="1.0" encoding="utf-8"?>
 <p:sld xmlns:a="http://schemas.openxmlformats.org/drawingml/2006/main" xmlns:r="http://schemas.openxmlformats.org/officeDocument/2006/relationships" xmlns:p="http://schemas.openxmlformats.org/presentationml/2006/main">
   <p:cSld>
     <p:spTree>
@@ -4251,14 +4170,14 @@
             <p:ph idx="1"/>
             <p:extLst>
               <p:ext uri="{D42A27DB-BD31-4B8C-83A1-F6EECF244321}">
-                <p14:modId xmlns:p14="http://schemas.microsoft.com/office/powerpoint/2010/main" val="3640223143"/>
+                <p14:modId xmlns:p14="http://schemas.microsoft.com/office/powerpoint/2010/main" val="1486125310"/>
               </p:ext>
             </p:extLst>
           </p:nvPr>
         </p:nvGraphicFramePr>
         <p:xfrm>
-          <a:off x="838200" y="1825625"/>
-          <a:ext cx="10515600" cy="3235960"/>
+          <a:off x="975360" y="2577465"/>
+          <a:ext cx="10515600" cy="2966720"/>
         </p:xfrm>
         <a:graphic>
           <a:graphicData uri="http://schemas.openxmlformats.org/drawingml/2006/table">
@@ -4350,26 +4269,20 @@
                     <a:p>
                       <a:r>
                         <a:rPr lang="en-US" dirty="0"/>
-                        <a:t>CPU USAGE(TEMPORAL)</a:t>
-                      </a:r>
-                    </a:p>
-                  </a:txBody>
-                  <a:tcPr/>
-                </a:tc>
-                <a:tc>
-                  <a:txBody>
-                    <a:bodyPr/>
-                    <a:lstStyle/>
-                    <a:p>
-                      <a:r>
-                        <a:rPr lang="en-US" dirty="0"/>
-                        <a:t>CPU </a:t>
-                      </a:r>
-                    </a:p>
-                    <a:p>
-                      <a:r>
-                        <a:rPr lang="en-US" dirty="0"/>
-                        <a:t>USAGE(DEMO)</a:t>
+                        <a:t>MIN</a:t>
+                      </a:r>
+                    </a:p>
+                  </a:txBody>
+                  <a:tcPr/>
+                </a:tc>
+                <a:tc>
+                  <a:txBody>
+                    <a:bodyPr/>
+                    <a:lstStyle/>
+                    <a:p>
+                      <a:r>
+                        <a:rPr lang="en-US" dirty="0"/>
+                        <a:t>MAX</a:t>
                       </a:r>
                     </a:p>
                   </a:txBody>
@@ -4387,47 +4300,62 @@
                     <a:bodyPr/>
                     <a:lstStyle/>
                     <a:p>
-                      <a:endParaRPr lang="en-US"/>
-                    </a:p>
-                  </a:txBody>
-                  <a:tcPr/>
-                </a:tc>
-                <a:tc>
-                  <a:txBody>
-                    <a:bodyPr/>
-                    <a:lstStyle/>
-                    <a:p>
-                      <a:endParaRPr lang="en-US"/>
-                    </a:p>
-                  </a:txBody>
-                  <a:tcPr/>
-                </a:tc>
-                <a:tc>
-                  <a:txBody>
-                    <a:bodyPr/>
-                    <a:lstStyle/>
-                    <a:p>
-                      <a:endParaRPr lang="en-US"/>
-                    </a:p>
-                  </a:txBody>
-                  <a:tcPr/>
-                </a:tc>
-                <a:tc>
-                  <a:txBody>
-                    <a:bodyPr/>
-                    <a:lstStyle/>
-                    <a:p>
-                      <a:endParaRPr lang="en-US"/>
-                    </a:p>
-                  </a:txBody>
-                  <a:tcPr/>
-                </a:tc>
-                <a:tc>
-                  <a:txBody>
-                    <a:bodyPr/>
-                    <a:lstStyle/>
-                    <a:p>
-                      <a:endParaRPr lang="en-US"/>
+                      <a:r>
+                        <a:rPr lang="en-US" dirty="0"/>
+                        <a:t>2000</a:t>
+                      </a:r>
+                    </a:p>
+                  </a:txBody>
+                  <a:tcPr/>
+                </a:tc>
+                <a:tc>
+                  <a:txBody>
+                    <a:bodyPr/>
+                    <a:lstStyle/>
+                    <a:p>
+                      <a:r>
+                        <a:rPr lang="en-US" dirty="0"/>
+                        <a:t>130</a:t>
+                      </a:r>
+                    </a:p>
+                  </a:txBody>
+                  <a:tcPr/>
+                </a:tc>
+                <a:tc>
+                  <a:txBody>
+                    <a:bodyPr/>
+                    <a:lstStyle/>
+                    <a:p>
+                      <a:r>
+                        <a:rPr lang="en-US" dirty="0"/>
+                        <a:t>33.2/s</a:t>
+                      </a:r>
+                    </a:p>
+                  </a:txBody>
+                  <a:tcPr/>
+                </a:tc>
+                <a:tc>
+                  <a:txBody>
+                    <a:bodyPr/>
+                    <a:lstStyle/>
+                    <a:p>
+                      <a:r>
+                        <a:rPr lang="en-US" dirty="0"/>
+                        <a:t>24</a:t>
+                      </a:r>
+                    </a:p>
+                  </a:txBody>
+                  <a:tcPr/>
+                </a:tc>
+                <a:tc>
+                  <a:txBody>
+                    <a:bodyPr/>
+                    <a:lstStyle/>
+                    <a:p>
+                      <a:r>
+                        <a:rPr lang="en-US" dirty="0"/>
+                        <a:t>1205</a:t>
+                      </a:r>
                     </a:p>
                   </a:txBody>
                   <a:tcPr/>
@@ -4444,47 +4372,62 @@
                     <a:bodyPr/>
                     <a:lstStyle/>
                     <a:p>
-                      <a:endParaRPr lang="en-US"/>
-                    </a:p>
-                  </a:txBody>
-                  <a:tcPr/>
-                </a:tc>
-                <a:tc>
-                  <a:txBody>
-                    <a:bodyPr/>
-                    <a:lstStyle/>
-                    <a:p>
-                      <a:endParaRPr lang="en-US"/>
-                    </a:p>
-                  </a:txBody>
-                  <a:tcPr/>
-                </a:tc>
-                <a:tc>
-                  <a:txBody>
-                    <a:bodyPr/>
-                    <a:lstStyle/>
-                    <a:p>
-                      <a:endParaRPr lang="en-US"/>
-                    </a:p>
-                  </a:txBody>
-                  <a:tcPr/>
-                </a:tc>
-                <a:tc>
-                  <a:txBody>
-                    <a:bodyPr/>
-                    <a:lstStyle/>
-                    <a:p>
-                      <a:endParaRPr lang="en-US"/>
-                    </a:p>
-                  </a:txBody>
-                  <a:tcPr/>
-                </a:tc>
-                <a:tc>
-                  <a:txBody>
-                    <a:bodyPr/>
-                    <a:lstStyle/>
-                    <a:p>
-                      <a:endParaRPr lang="en-US"/>
+                      <a:r>
+                        <a:rPr lang="en-US" dirty="0"/>
+                        <a:t>5000</a:t>
+                      </a:r>
+                    </a:p>
+                  </a:txBody>
+                  <a:tcPr/>
+                </a:tc>
+                <a:tc>
+                  <a:txBody>
+                    <a:bodyPr/>
+                    <a:lstStyle/>
+                    <a:p>
+                      <a:r>
+                        <a:rPr lang="en-US" dirty="0"/>
+                        <a:t>146</a:t>
+                      </a:r>
+                    </a:p>
+                  </a:txBody>
+                  <a:tcPr/>
+                </a:tc>
+                <a:tc>
+                  <a:txBody>
+                    <a:bodyPr/>
+                    <a:lstStyle/>
+                    <a:p>
+                      <a:r>
+                        <a:rPr lang="en-US" dirty="0"/>
+                        <a:t>83.1/s</a:t>
+                      </a:r>
+                    </a:p>
+                  </a:txBody>
+                  <a:tcPr/>
+                </a:tc>
+                <a:tc>
+                  <a:txBody>
+                    <a:bodyPr/>
+                    <a:lstStyle/>
+                    <a:p>
+                      <a:r>
+                        <a:rPr lang="en-US" dirty="0"/>
+                        <a:t>18</a:t>
+                      </a:r>
+                    </a:p>
+                  </a:txBody>
+                  <a:tcPr/>
+                </a:tc>
+                <a:tc>
+                  <a:txBody>
+                    <a:bodyPr/>
+                    <a:lstStyle/>
+                    <a:p>
+                      <a:r>
+                        <a:rPr lang="en-US" dirty="0"/>
+                        <a:t>593</a:t>
+                      </a:r>
                     </a:p>
                   </a:txBody>
                   <a:tcPr/>
@@ -4501,47 +4444,62 @@
                     <a:bodyPr/>
                     <a:lstStyle/>
                     <a:p>
-                      <a:endParaRPr lang="en-US"/>
-                    </a:p>
-                  </a:txBody>
-                  <a:tcPr/>
-                </a:tc>
-                <a:tc>
-                  <a:txBody>
-                    <a:bodyPr/>
-                    <a:lstStyle/>
-                    <a:p>
-                      <a:endParaRPr lang="en-US"/>
-                    </a:p>
-                  </a:txBody>
-                  <a:tcPr/>
-                </a:tc>
-                <a:tc>
-                  <a:txBody>
-                    <a:bodyPr/>
-                    <a:lstStyle/>
-                    <a:p>
-                      <a:endParaRPr lang="en-US"/>
-                    </a:p>
-                  </a:txBody>
-                  <a:tcPr/>
-                </a:tc>
-                <a:tc>
-                  <a:txBody>
-                    <a:bodyPr/>
-                    <a:lstStyle/>
-                    <a:p>
-                      <a:endParaRPr lang="en-US"/>
-                    </a:p>
-                  </a:txBody>
-                  <a:tcPr/>
-                </a:tc>
-                <a:tc>
-                  <a:txBody>
-                    <a:bodyPr/>
-                    <a:lstStyle/>
-                    <a:p>
-                      <a:endParaRPr lang="en-US"/>
+                      <a:r>
+                        <a:rPr lang="en-US" dirty="0"/>
+                        <a:t>9000</a:t>
+                      </a:r>
+                    </a:p>
+                  </a:txBody>
+                  <a:tcPr/>
+                </a:tc>
+                <a:tc>
+                  <a:txBody>
+                    <a:bodyPr/>
+                    <a:lstStyle/>
+                    <a:p>
+                      <a:r>
+                        <a:rPr lang="en-US" dirty="0"/>
+                        <a:t>299</a:t>
+                      </a:r>
+                    </a:p>
+                  </a:txBody>
+                  <a:tcPr/>
+                </a:tc>
+                <a:tc>
+                  <a:txBody>
+                    <a:bodyPr/>
+                    <a:lstStyle/>
+                    <a:p>
+                      <a:r>
+                        <a:rPr lang="en-US" dirty="0"/>
+                        <a:t>142.1/s</a:t>
+                      </a:r>
+                    </a:p>
+                  </a:txBody>
+                  <a:tcPr/>
+                </a:tc>
+                <a:tc>
+                  <a:txBody>
+                    <a:bodyPr/>
+                    <a:lstStyle/>
+                    <a:p>
+                      <a:r>
+                        <a:rPr lang="en-US" dirty="0"/>
+                        <a:t>24</a:t>
+                      </a:r>
+                    </a:p>
+                  </a:txBody>
+                  <a:tcPr/>
+                </a:tc>
+                <a:tc>
+                  <a:txBody>
+                    <a:bodyPr/>
+                    <a:lstStyle/>
+                    <a:p>
+                      <a:r>
+                        <a:rPr lang="en-US" dirty="0"/>
+                        <a:t>1390</a:t>
+                      </a:r>
                     </a:p>
                   </a:txBody>
                   <a:tcPr/>
@@ -4558,47 +4516,62 @@
                     <a:bodyPr/>
                     <a:lstStyle/>
                     <a:p>
-                      <a:endParaRPr lang="en-US"/>
-                    </a:p>
-                  </a:txBody>
-                  <a:tcPr/>
-                </a:tc>
-                <a:tc>
-                  <a:txBody>
-                    <a:bodyPr/>
-                    <a:lstStyle/>
-                    <a:p>
-                      <a:endParaRPr lang="en-US"/>
-                    </a:p>
-                  </a:txBody>
-                  <a:tcPr/>
-                </a:tc>
-                <a:tc>
-                  <a:txBody>
-                    <a:bodyPr/>
-                    <a:lstStyle/>
-                    <a:p>
-                      <a:endParaRPr lang="en-US"/>
-                    </a:p>
-                  </a:txBody>
-                  <a:tcPr/>
-                </a:tc>
-                <a:tc>
-                  <a:txBody>
-                    <a:bodyPr/>
-                    <a:lstStyle/>
-                    <a:p>
-                      <a:endParaRPr lang="en-US"/>
-                    </a:p>
-                  </a:txBody>
-                  <a:tcPr/>
-                </a:tc>
-                <a:tc>
-                  <a:txBody>
-                    <a:bodyPr/>
-                    <a:lstStyle/>
-                    <a:p>
-                      <a:endParaRPr lang="en-US"/>
+                      <a:r>
+                        <a:rPr lang="en-US" dirty="0"/>
+                        <a:t>12,000</a:t>
+                      </a:r>
+                    </a:p>
+                  </a:txBody>
+                  <a:tcPr/>
+                </a:tc>
+                <a:tc>
+                  <a:txBody>
+                    <a:bodyPr/>
+                    <a:lstStyle/>
+                    <a:p>
+                      <a:r>
+                        <a:rPr lang="en-US" dirty="0"/>
+                        <a:t>719</a:t>
+                      </a:r>
+                    </a:p>
+                  </a:txBody>
+                  <a:tcPr/>
+                </a:tc>
+                <a:tc>
+                  <a:txBody>
+                    <a:bodyPr/>
+                    <a:lstStyle/>
+                    <a:p>
+                      <a:r>
+                        <a:rPr lang="en-US" dirty="0"/>
+                        <a:t>198.2/s</a:t>
+                      </a:r>
+                    </a:p>
+                  </a:txBody>
+                  <a:tcPr/>
+                </a:tc>
+                <a:tc>
+                  <a:txBody>
+                    <a:bodyPr/>
+                    <a:lstStyle/>
+                    <a:p>
+                      <a:r>
+                        <a:rPr lang="en-US" dirty="0"/>
+                        <a:t>43</a:t>
+                      </a:r>
+                    </a:p>
+                  </a:txBody>
+                  <a:tcPr/>
+                </a:tc>
+                <a:tc>
+                  <a:txBody>
+                    <a:bodyPr/>
+                    <a:lstStyle/>
+                    <a:p>
+                      <a:r>
+                        <a:rPr lang="en-US" dirty="0"/>
+                        <a:t>4006</a:t>
+                      </a:r>
                     </a:p>
                   </a:txBody>
                   <a:tcPr/>
@@ -4784,6 +4757,41 @@
           </a:graphicData>
         </a:graphic>
       </p:graphicFrame>
+      <p:sp>
+        <p:nvSpPr>
+          <p:cNvPr id="3" name="TextBox 2">
+            <a:extLst>
+              <a:ext uri="{FF2B5EF4-FFF2-40B4-BE49-F238E27FC236}">
+                <a16:creationId xmlns:a16="http://schemas.microsoft.com/office/drawing/2014/main" id="{3045C557-2F55-4D59-8817-30D673D47316}"/>
+              </a:ext>
+            </a:extLst>
+          </p:cNvPr>
+          <p:cNvSpPr txBox="1"/>
+          <p:nvPr/>
+        </p:nvSpPr>
+        <p:spPr>
+          <a:xfrm>
+            <a:off x="975360" y="1690688"/>
+            <a:ext cx="10378440" cy="369332"/>
+          </a:xfrm>
+          <a:prstGeom prst="rect">
+            <a:avLst/>
+          </a:prstGeom>
+          <a:noFill/>
+        </p:spPr>
+        <p:txBody>
+          <a:bodyPr wrap="square" rtlCol="0">
+            <a:spAutoFit/>
+          </a:bodyPr>
+          <a:lstStyle/>
+          <a:p>
+            <a:r>
+              <a:rPr lang="en-US" dirty="0"/>
+              <a:t>Temporal, Demo, Proxy each have been  horizontally scaled to 3 pods each</a:t>
+            </a:r>
+          </a:p>
+        </p:txBody>
+      </p:sp>
     </p:spTree>
     <p:extLst>
       <p:ext uri="{BB962C8B-B14F-4D97-AF65-F5344CB8AC3E}">

--- a/TemporalPPT.pptx
+++ b/TemporalPPT.pptx
@@ -7,6 +7,7 @@
   <p:sldIdLst>
     <p:sldId id="257" r:id="rId2"/>
     <p:sldId id="258" r:id="rId3"/>
+    <p:sldId id="259" r:id="rId4"/>
   </p:sldIdLst>
   <p:sldSz cx="12192000" cy="6858000"/>
   <p:notesSz cx="6858000" cy="9144000"/>
@@ -260,7 +261,7 @@
           <a:p>
             <a:fld id="{850429CE-E1C8-4940-9903-88A64945F425}" type="datetimeFigureOut">
               <a:rPr lang="en-US" smtClean="0"/>
-              <a:t>2/16/2022</a:t>
+              <a:t>2/17/2022</a:t>
             </a:fld>
             <a:endParaRPr lang="en-US"/>
           </a:p>
@@ -458,7 +459,7 @@
           <a:p>
             <a:fld id="{850429CE-E1C8-4940-9903-88A64945F425}" type="datetimeFigureOut">
               <a:rPr lang="en-US" smtClean="0"/>
-              <a:t>2/16/2022</a:t>
+              <a:t>2/17/2022</a:t>
             </a:fld>
             <a:endParaRPr lang="en-US"/>
           </a:p>
@@ -666,7 +667,7 @@
           <a:p>
             <a:fld id="{850429CE-E1C8-4940-9903-88A64945F425}" type="datetimeFigureOut">
               <a:rPr lang="en-US" smtClean="0"/>
-              <a:t>2/16/2022</a:t>
+              <a:t>2/17/2022</a:t>
             </a:fld>
             <a:endParaRPr lang="en-US"/>
           </a:p>
@@ -864,7 +865,7 @@
           <a:p>
             <a:fld id="{850429CE-E1C8-4940-9903-88A64945F425}" type="datetimeFigureOut">
               <a:rPr lang="en-US" smtClean="0"/>
-              <a:t>2/16/2022</a:t>
+              <a:t>2/17/2022</a:t>
             </a:fld>
             <a:endParaRPr lang="en-US"/>
           </a:p>
@@ -1139,7 +1140,7 @@
           <a:p>
             <a:fld id="{850429CE-E1C8-4940-9903-88A64945F425}" type="datetimeFigureOut">
               <a:rPr lang="en-US" smtClean="0"/>
-              <a:t>2/16/2022</a:t>
+              <a:t>2/17/2022</a:t>
             </a:fld>
             <a:endParaRPr lang="en-US"/>
           </a:p>
@@ -1404,7 +1405,7 @@
           <a:p>
             <a:fld id="{850429CE-E1C8-4940-9903-88A64945F425}" type="datetimeFigureOut">
               <a:rPr lang="en-US" smtClean="0"/>
-              <a:t>2/16/2022</a:t>
+              <a:t>2/17/2022</a:t>
             </a:fld>
             <a:endParaRPr lang="en-US"/>
           </a:p>
@@ -1816,7 +1817,7 @@
           <a:p>
             <a:fld id="{850429CE-E1C8-4940-9903-88A64945F425}" type="datetimeFigureOut">
               <a:rPr lang="en-US" smtClean="0"/>
-              <a:t>2/16/2022</a:t>
+              <a:t>2/17/2022</a:t>
             </a:fld>
             <a:endParaRPr lang="en-US"/>
           </a:p>
@@ -1957,7 +1958,7 @@
           <a:p>
             <a:fld id="{850429CE-E1C8-4940-9903-88A64945F425}" type="datetimeFigureOut">
               <a:rPr lang="en-US" smtClean="0"/>
-              <a:t>2/16/2022</a:t>
+              <a:t>2/17/2022</a:t>
             </a:fld>
             <a:endParaRPr lang="en-US"/>
           </a:p>
@@ -2070,7 +2071,7 @@
           <a:p>
             <a:fld id="{850429CE-E1C8-4940-9903-88A64945F425}" type="datetimeFigureOut">
               <a:rPr lang="en-US" smtClean="0"/>
-              <a:t>2/16/2022</a:t>
+              <a:t>2/17/2022</a:t>
             </a:fld>
             <a:endParaRPr lang="en-US"/>
           </a:p>
@@ -2381,7 +2382,7 @@
           <a:p>
             <a:fld id="{850429CE-E1C8-4940-9903-88A64945F425}" type="datetimeFigureOut">
               <a:rPr lang="en-US" smtClean="0"/>
-              <a:t>2/16/2022</a:t>
+              <a:t>2/17/2022</a:t>
             </a:fld>
             <a:endParaRPr lang="en-US"/>
           </a:p>
@@ -2669,7 +2670,7 @@
           <a:p>
             <a:fld id="{850429CE-E1C8-4940-9903-88A64945F425}" type="datetimeFigureOut">
               <a:rPr lang="en-US" smtClean="0"/>
-              <a:t>2/16/2022</a:t>
+              <a:t>2/17/2022</a:t>
             </a:fld>
             <a:endParaRPr lang="en-US"/>
           </a:p>
@@ -2910,7 +2911,7 @@
           <a:p>
             <a:fld id="{850429CE-E1C8-4940-9903-88A64945F425}" type="datetimeFigureOut">
               <a:rPr lang="en-US" smtClean="0"/>
-              <a:t>2/16/2022</a:t>
+              <a:t>2/17/2022</a:t>
             </a:fld>
             <a:endParaRPr lang="en-US"/>
           </a:p>
@@ -3350,7 +3351,7 @@
           <a:p>
             <a:r>
               <a:rPr lang="en-US" dirty="0"/>
-              <a:t>Temporal Performance Testing</a:t>
+              <a:t>Temporal Performance Testing(Single Pod)</a:t>
             </a:r>
           </a:p>
         </p:txBody>
@@ -3371,7 +3372,7 @@
             <p:ph idx="1"/>
             <p:extLst>
               <p:ext uri="{D42A27DB-BD31-4B8C-83A1-F6EECF244321}">
-                <p14:modId xmlns:p14="http://schemas.microsoft.com/office/powerpoint/2010/main" val="4264015051"/>
+                <p14:modId xmlns:p14="http://schemas.microsoft.com/office/powerpoint/2010/main" val="707608388"/>
               </p:ext>
             </p:extLst>
           </p:nvPr>
@@ -4031,57 +4032,75 @@
                     <a:bodyPr/>
                     <a:lstStyle/>
                     <a:p>
-                      <a:endParaRPr lang="en-US" dirty="0"/>
-                    </a:p>
-                  </a:txBody>
-                  <a:tcPr/>
-                </a:tc>
-                <a:tc>
-                  <a:txBody>
-                    <a:bodyPr/>
-                    <a:lstStyle/>
-                    <a:p>
-                      <a:endParaRPr lang="en-US" dirty="0"/>
-                    </a:p>
-                  </a:txBody>
-                  <a:tcPr/>
-                </a:tc>
-                <a:tc>
-                  <a:txBody>
-                    <a:bodyPr/>
-                    <a:lstStyle/>
-                    <a:p>
-                      <a:endParaRPr lang="en-US" dirty="0"/>
-                    </a:p>
-                  </a:txBody>
-                  <a:tcPr/>
-                </a:tc>
-                <a:tc>
-                  <a:txBody>
-                    <a:bodyPr/>
-                    <a:lstStyle/>
-                    <a:p>
-                      <a:endParaRPr lang="en-US" dirty="0"/>
-                    </a:p>
-                  </a:txBody>
-                  <a:tcPr/>
-                </a:tc>
-                <a:tc>
-                  <a:txBody>
-                    <a:bodyPr/>
-                    <a:lstStyle/>
-                    <a:p>
-                      <a:endParaRPr lang="en-US" dirty="0"/>
-                    </a:p>
-                  </a:txBody>
-                  <a:tcPr/>
-                </a:tc>
-                <a:tc>
-                  <a:txBody>
-                    <a:bodyPr/>
-                    <a:lstStyle/>
-                    <a:p>
-                      <a:endParaRPr lang="en-US" dirty="0"/>
+                      <a:r>
+                        <a:rPr lang="en-US" dirty="0"/>
+                        <a:t>22,000</a:t>
+                      </a:r>
+                    </a:p>
+                  </a:txBody>
+                  <a:tcPr/>
+                </a:tc>
+                <a:tc>
+                  <a:txBody>
+                    <a:bodyPr/>
+                    <a:lstStyle/>
+                    <a:p>
+                      <a:r>
+                        <a:rPr lang="en-US" dirty="0"/>
+                        <a:t>991</a:t>
+                      </a:r>
+                    </a:p>
+                  </a:txBody>
+                  <a:tcPr/>
+                </a:tc>
+                <a:tc>
+                  <a:txBody>
+                    <a:bodyPr/>
+                    <a:lstStyle/>
+                    <a:p>
+                      <a:r>
+                        <a:rPr lang="en-US" dirty="0"/>
+                        <a:t>15</a:t>
+                      </a:r>
+                    </a:p>
+                  </a:txBody>
+                  <a:tcPr/>
+                </a:tc>
+                <a:tc>
+                  <a:txBody>
+                    <a:bodyPr/>
+                    <a:lstStyle/>
+                    <a:p>
+                      <a:r>
+                        <a:rPr lang="en-US" dirty="0"/>
+                        <a:t>3991</a:t>
+                      </a:r>
+                    </a:p>
+                  </a:txBody>
+                  <a:tcPr/>
+                </a:tc>
+                <a:tc>
+                  <a:txBody>
+                    <a:bodyPr/>
+                    <a:lstStyle/>
+                    <a:p>
+                      <a:r>
+                        <a:rPr lang="en-US" dirty="0"/>
+                        <a:t>1.01%</a:t>
+                      </a:r>
+                    </a:p>
+                  </a:txBody>
+                  <a:tcPr/>
+                </a:tc>
+                <a:tc>
+                  <a:txBody>
+                    <a:bodyPr/>
+                    <a:lstStyle/>
+                    <a:p>
+                      <a:r>
+                        <a:rPr lang="en-US" dirty="0"/>
+                        <a:t>366.0/s</a:t>
+                      </a:r>
                     </a:p>
                   </a:txBody>
                   <a:tcPr/>
@@ -4787,7 +4806,7 @@
           <a:p>
             <a:r>
               <a:rPr lang="en-US" dirty="0"/>
-              <a:t>Temporal, Demo, Proxy each have been  horizontally scaled to 3 pods each</a:t>
+              <a:t>Temporal, Demo, Proxy each have been  horizontally scaled to 3 pods each afterwards</a:t>
             </a:r>
           </a:p>
         </p:txBody>
@@ -4796,6 +4815,1020 @@
     <p:extLst>
       <p:ext uri="{BB962C8B-B14F-4D97-AF65-F5344CB8AC3E}">
         <p14:creationId xmlns:p14="http://schemas.microsoft.com/office/powerpoint/2010/main" val="1509296860"/>
+      </p:ext>
+    </p:extLst>
+  </p:cSld>
+  <p:clrMapOvr>
+    <a:masterClrMapping/>
+  </p:clrMapOvr>
+</p:sld>
+</file>
+
+<file path=ppt/slides/slide3.xml><?xml version="1.0" encoding="utf-8"?>
+<p:sld xmlns:a="http://schemas.openxmlformats.org/drawingml/2006/main" xmlns:r="http://schemas.openxmlformats.org/officeDocument/2006/relationships" xmlns:p="http://schemas.openxmlformats.org/presentationml/2006/main">
+  <p:cSld>
+    <p:spTree>
+      <p:nvGrpSpPr>
+        <p:cNvPr id="1" name=""/>
+        <p:cNvGrpSpPr/>
+        <p:nvPr/>
+      </p:nvGrpSpPr>
+      <p:grpSpPr>
+        <a:xfrm>
+          <a:off x="0" y="0"/>
+          <a:ext cx="0" cy="0"/>
+          <a:chOff x="0" y="0"/>
+          <a:chExt cx="0" cy="0"/>
+        </a:xfrm>
+      </p:grpSpPr>
+      <p:sp>
+        <p:nvSpPr>
+          <p:cNvPr id="2" name="Title 1">
+            <a:extLst>
+              <a:ext uri="{FF2B5EF4-FFF2-40B4-BE49-F238E27FC236}">
+                <a16:creationId xmlns:a16="http://schemas.microsoft.com/office/drawing/2014/main" id="{39889993-3D66-47DC-8CC8-0C1A2ADED04C}"/>
+              </a:ext>
+            </a:extLst>
+          </p:cNvPr>
+          <p:cNvSpPr>
+            <a:spLocks noGrp="1"/>
+          </p:cNvSpPr>
+          <p:nvPr>
+            <p:ph type="title"/>
+          </p:nvPr>
+        </p:nvSpPr>
+        <p:spPr/>
+        <p:txBody>
+          <a:bodyPr/>
+          <a:lstStyle/>
+          <a:p>
+            <a:r>
+              <a:rPr lang="en-US" dirty="0"/>
+              <a:t>Temporal Performance Testing(Horizontal)</a:t>
+            </a:r>
+          </a:p>
+        </p:txBody>
+      </p:sp>
+      <p:graphicFrame>
+        <p:nvGraphicFramePr>
+          <p:cNvPr id="5" name="Table 5">
+            <a:extLst>
+              <a:ext uri="{FF2B5EF4-FFF2-40B4-BE49-F238E27FC236}">
+                <a16:creationId xmlns:a16="http://schemas.microsoft.com/office/drawing/2014/main" id="{2EC76E86-1220-4A06-825C-860010F0480F}"/>
+              </a:ext>
+            </a:extLst>
+          </p:cNvPr>
+          <p:cNvGraphicFramePr>
+            <a:graphicFrameLocks noGrp="1"/>
+          </p:cNvGraphicFramePr>
+          <p:nvPr>
+            <p:ph idx="1"/>
+            <p:extLst>
+              <p:ext uri="{D42A27DB-BD31-4B8C-83A1-F6EECF244321}">
+                <p14:modId xmlns:p14="http://schemas.microsoft.com/office/powerpoint/2010/main" val="2858215231"/>
+              </p:ext>
+            </p:extLst>
+          </p:nvPr>
+        </p:nvGraphicFramePr>
+        <p:xfrm>
+          <a:off x="518160" y="2502455"/>
+          <a:ext cx="11348720" cy="3175000"/>
+        </p:xfrm>
+        <a:graphic>
+          <a:graphicData uri="http://schemas.openxmlformats.org/drawingml/2006/table">
+            <a:tbl>
+              <a:tblPr firstRow="1" bandRow="1">
+                <a:tableStyleId>{5C22544A-7EE6-4342-B048-85BDC9FD1C3A}</a:tableStyleId>
+              </a:tblPr>
+              <a:tblGrid>
+                <a:gridCol w="1418590">
+                  <a:extLst>
+                    <a:ext uri="{9D8B030D-6E8A-4147-A177-3AD203B41FA5}">
+                      <a16:colId xmlns:a16="http://schemas.microsoft.com/office/drawing/2014/main" val="3123463855"/>
+                    </a:ext>
+                  </a:extLst>
+                </a:gridCol>
+                <a:gridCol w="1418590">
+                  <a:extLst>
+                    <a:ext uri="{9D8B030D-6E8A-4147-A177-3AD203B41FA5}">
+                      <a16:colId xmlns:a16="http://schemas.microsoft.com/office/drawing/2014/main" val="3695574965"/>
+                    </a:ext>
+                  </a:extLst>
+                </a:gridCol>
+                <a:gridCol w="1418590">
+                  <a:extLst>
+                    <a:ext uri="{9D8B030D-6E8A-4147-A177-3AD203B41FA5}">
+                      <a16:colId xmlns:a16="http://schemas.microsoft.com/office/drawing/2014/main" val="3827456604"/>
+                    </a:ext>
+                  </a:extLst>
+                </a:gridCol>
+                <a:gridCol w="1418590">
+                  <a:extLst>
+                    <a:ext uri="{9D8B030D-6E8A-4147-A177-3AD203B41FA5}">
+                      <a16:colId xmlns:a16="http://schemas.microsoft.com/office/drawing/2014/main" val="3688388164"/>
+                    </a:ext>
+                  </a:extLst>
+                </a:gridCol>
+                <a:gridCol w="1418590">
+                  <a:extLst>
+                    <a:ext uri="{9D8B030D-6E8A-4147-A177-3AD203B41FA5}">
+                      <a16:colId xmlns:a16="http://schemas.microsoft.com/office/drawing/2014/main" val="4123628749"/>
+                    </a:ext>
+                  </a:extLst>
+                </a:gridCol>
+                <a:gridCol w="1418590">
+                  <a:extLst>
+                    <a:ext uri="{9D8B030D-6E8A-4147-A177-3AD203B41FA5}">
+                      <a16:colId xmlns:a16="http://schemas.microsoft.com/office/drawing/2014/main" val="1343719533"/>
+                    </a:ext>
+                  </a:extLst>
+                </a:gridCol>
+                <a:gridCol w="1418590">
+                  <a:extLst>
+                    <a:ext uri="{9D8B030D-6E8A-4147-A177-3AD203B41FA5}">
+                      <a16:colId xmlns:a16="http://schemas.microsoft.com/office/drawing/2014/main" val="3764111653"/>
+                    </a:ext>
+                  </a:extLst>
+                </a:gridCol>
+                <a:gridCol w="1418590">
+                  <a:extLst>
+                    <a:ext uri="{9D8B030D-6E8A-4147-A177-3AD203B41FA5}">
+                      <a16:colId xmlns:a16="http://schemas.microsoft.com/office/drawing/2014/main" val="4279144326"/>
+                    </a:ext>
+                  </a:extLst>
+                </a:gridCol>
+              </a:tblGrid>
+              <a:tr h="370840">
+                <a:tc>
+                  <a:txBody>
+                    <a:bodyPr/>
+                    <a:lstStyle/>
+                    <a:p>
+                      <a:r>
+                        <a:rPr lang="en-US" sz="1600" dirty="0"/>
+                        <a:t>THREADS</a:t>
+                      </a:r>
+                    </a:p>
+                  </a:txBody>
+                  <a:tcPr/>
+                </a:tc>
+                <a:tc>
+                  <a:txBody>
+                    <a:bodyPr/>
+                    <a:lstStyle/>
+                    <a:p>
+                      <a:r>
+                        <a:rPr lang="en-US" sz="1600" dirty="0"/>
+                        <a:t>AVERAGE</a:t>
+                      </a:r>
+                    </a:p>
+                  </a:txBody>
+                  <a:tcPr/>
+                </a:tc>
+                <a:tc>
+                  <a:txBody>
+                    <a:bodyPr/>
+                    <a:lstStyle/>
+                    <a:p>
+                      <a:r>
+                        <a:rPr lang="en-US" sz="1600" dirty="0"/>
+                        <a:t>THROUGHPUT</a:t>
+                      </a:r>
+                    </a:p>
+                  </a:txBody>
+                  <a:tcPr/>
+                </a:tc>
+                <a:tc>
+                  <a:txBody>
+                    <a:bodyPr/>
+                    <a:lstStyle/>
+                    <a:p>
+                      <a:r>
+                        <a:rPr lang="en-US" sz="1600" dirty="0"/>
+                        <a:t>MIN</a:t>
+                      </a:r>
+                    </a:p>
+                  </a:txBody>
+                  <a:tcPr/>
+                </a:tc>
+                <a:tc>
+                  <a:txBody>
+                    <a:bodyPr/>
+                    <a:lstStyle/>
+                    <a:p>
+                      <a:r>
+                        <a:rPr lang="en-US" sz="1600" dirty="0"/>
+                        <a:t>MAX</a:t>
+                      </a:r>
+                    </a:p>
+                  </a:txBody>
+                  <a:tcPr/>
+                </a:tc>
+                <a:tc>
+                  <a:txBody>
+                    <a:bodyPr/>
+                    <a:lstStyle/>
+                    <a:p>
+                      <a:r>
+                        <a:rPr lang="en-US" sz="1600" dirty="0"/>
+                        <a:t>CPU USAGE</a:t>
+                      </a:r>
+                    </a:p>
+                    <a:p>
+                      <a:r>
+                        <a:rPr lang="en-US" sz="1600" dirty="0"/>
+                        <a:t>(IN %)</a:t>
+                      </a:r>
+                    </a:p>
+                  </a:txBody>
+                  <a:tcPr/>
+                </a:tc>
+                <a:tc>
+                  <a:txBody>
+                    <a:bodyPr/>
+                    <a:lstStyle/>
+                    <a:p>
+                      <a:r>
+                        <a:rPr lang="en-US" sz="1500" dirty="0"/>
+                        <a:t>MEMORY USAGE(in MiB)</a:t>
+                      </a:r>
+                    </a:p>
+                  </a:txBody>
+                  <a:tcPr/>
+                </a:tc>
+                <a:tc>
+                  <a:txBody>
+                    <a:bodyPr/>
+                    <a:lstStyle/>
+                    <a:p>
+                      <a:r>
+                        <a:rPr lang="en-US" sz="1600" dirty="0"/>
+                        <a:t>ERROR</a:t>
+                      </a:r>
+                    </a:p>
+                    <a:p>
+                      <a:r>
+                        <a:rPr lang="en-US" sz="1600" dirty="0"/>
+                        <a:t>(In %)</a:t>
+                      </a:r>
+                    </a:p>
+                  </a:txBody>
+                  <a:tcPr/>
+                </a:tc>
+                <a:extLst>
+                  <a:ext uri="{0D108BD9-81ED-4DB2-BD59-A6C34878D82A}">
+                    <a16:rowId xmlns:a16="http://schemas.microsoft.com/office/drawing/2014/main" val="1151001714"/>
+                  </a:ext>
+                </a:extLst>
+              </a:tr>
+              <a:tr h="370840">
+                <a:tc>
+                  <a:txBody>
+                    <a:bodyPr/>
+                    <a:lstStyle/>
+                    <a:p>
+                      <a:r>
+                        <a:rPr lang="en-US" dirty="0"/>
+                        <a:t>5000</a:t>
+                      </a:r>
+                    </a:p>
+                  </a:txBody>
+                  <a:tcPr/>
+                </a:tc>
+                <a:tc>
+                  <a:txBody>
+                    <a:bodyPr/>
+                    <a:lstStyle/>
+                    <a:p>
+                      <a:r>
+                        <a:rPr lang="en-US" dirty="0"/>
+                        <a:t>225</a:t>
+                      </a:r>
+                    </a:p>
+                  </a:txBody>
+                  <a:tcPr/>
+                </a:tc>
+                <a:tc>
+                  <a:txBody>
+                    <a:bodyPr/>
+                    <a:lstStyle/>
+                    <a:p>
+                      <a:r>
+                        <a:rPr lang="en-US" dirty="0"/>
+                        <a:t>83.1/s</a:t>
+                      </a:r>
+                    </a:p>
+                  </a:txBody>
+                  <a:tcPr/>
+                </a:tc>
+                <a:tc>
+                  <a:txBody>
+                    <a:bodyPr/>
+                    <a:lstStyle/>
+                    <a:p>
+                      <a:r>
+                        <a:rPr lang="en-US" dirty="0"/>
+                        <a:t>10</a:t>
+                      </a:r>
+                    </a:p>
+                  </a:txBody>
+                  <a:tcPr/>
+                </a:tc>
+                <a:tc>
+                  <a:txBody>
+                    <a:bodyPr/>
+                    <a:lstStyle/>
+                    <a:p>
+                      <a:r>
+                        <a:rPr lang="en-US" dirty="0"/>
+                        <a:t>2639</a:t>
+                      </a:r>
+                    </a:p>
+                  </a:txBody>
+                  <a:tcPr/>
+                </a:tc>
+                <a:tc>
+                  <a:txBody>
+                    <a:bodyPr/>
+                    <a:lstStyle/>
+                    <a:p>
+                      <a:r>
+                        <a:rPr lang="en-US" dirty="0"/>
+                        <a:t>64%</a:t>
+                      </a:r>
+                    </a:p>
+                  </a:txBody>
+                  <a:tcPr/>
+                </a:tc>
+                <a:tc>
+                  <a:txBody>
+                    <a:bodyPr/>
+                    <a:lstStyle/>
+                    <a:p>
+                      <a:r>
+                        <a:rPr lang="en-US" dirty="0"/>
+                        <a:t>443</a:t>
+                      </a:r>
+                    </a:p>
+                  </a:txBody>
+                  <a:tcPr/>
+                </a:tc>
+                <a:tc>
+                  <a:txBody>
+                    <a:bodyPr/>
+                    <a:lstStyle/>
+                    <a:p>
+                      <a:r>
+                        <a:rPr lang="en-US" dirty="0"/>
+                        <a:t>0.00%</a:t>
+                      </a:r>
+                    </a:p>
+                  </a:txBody>
+                  <a:tcPr/>
+                </a:tc>
+                <a:extLst>
+                  <a:ext uri="{0D108BD9-81ED-4DB2-BD59-A6C34878D82A}">
+                    <a16:rowId xmlns:a16="http://schemas.microsoft.com/office/drawing/2014/main" val="3477622308"/>
+                  </a:ext>
+                </a:extLst>
+              </a:tr>
+              <a:tr h="370840">
+                <a:tc>
+                  <a:txBody>
+                    <a:bodyPr/>
+                    <a:lstStyle/>
+                    <a:p>
+                      <a:r>
+                        <a:rPr lang="en-US" dirty="0"/>
+                        <a:t>9000</a:t>
+                      </a:r>
+                    </a:p>
+                  </a:txBody>
+                  <a:tcPr/>
+                </a:tc>
+                <a:tc>
+                  <a:txBody>
+                    <a:bodyPr/>
+                    <a:lstStyle/>
+                    <a:p>
+                      <a:r>
+                        <a:rPr lang="en-US" dirty="0"/>
+                        <a:t>297</a:t>
+                      </a:r>
+                    </a:p>
+                  </a:txBody>
+                  <a:tcPr/>
+                </a:tc>
+                <a:tc>
+                  <a:txBody>
+                    <a:bodyPr/>
+                    <a:lstStyle/>
+                    <a:p>
+                      <a:r>
+                        <a:rPr lang="en-US" dirty="0"/>
+                        <a:t>141.1/s</a:t>
+                      </a:r>
+                    </a:p>
+                  </a:txBody>
+                  <a:tcPr/>
+                </a:tc>
+                <a:tc>
+                  <a:txBody>
+                    <a:bodyPr/>
+                    <a:lstStyle/>
+                    <a:p>
+                      <a:r>
+                        <a:rPr lang="en-US" dirty="0"/>
+                        <a:t>11</a:t>
+                      </a:r>
+                    </a:p>
+                  </a:txBody>
+                  <a:tcPr/>
+                </a:tc>
+                <a:tc>
+                  <a:txBody>
+                    <a:bodyPr/>
+                    <a:lstStyle/>
+                    <a:p>
+                      <a:r>
+                        <a:rPr lang="en-US" dirty="0"/>
+                        <a:t>2802</a:t>
+                      </a:r>
+                    </a:p>
+                  </a:txBody>
+                  <a:tcPr/>
+                </a:tc>
+                <a:tc>
+                  <a:txBody>
+                    <a:bodyPr/>
+                    <a:lstStyle/>
+                    <a:p>
+                      <a:r>
+                        <a:rPr lang="en-US" dirty="0"/>
+                        <a:t>63%</a:t>
+                      </a:r>
+                    </a:p>
+                  </a:txBody>
+                  <a:tcPr/>
+                </a:tc>
+                <a:tc>
+                  <a:txBody>
+                    <a:bodyPr/>
+                    <a:lstStyle/>
+                    <a:p>
+                      <a:r>
+                        <a:rPr lang="en-US" dirty="0"/>
+                        <a:t>473</a:t>
+                      </a:r>
+                    </a:p>
+                  </a:txBody>
+                  <a:tcPr/>
+                </a:tc>
+                <a:tc>
+                  <a:txBody>
+                    <a:bodyPr/>
+                    <a:lstStyle/>
+                    <a:p>
+                      <a:r>
+                        <a:rPr lang="en-US" dirty="0"/>
+                        <a:t>0.00%</a:t>
+                      </a:r>
+                    </a:p>
+                  </a:txBody>
+                  <a:tcPr/>
+                </a:tc>
+                <a:extLst>
+                  <a:ext uri="{0D108BD9-81ED-4DB2-BD59-A6C34878D82A}">
+                    <a16:rowId xmlns:a16="http://schemas.microsoft.com/office/drawing/2014/main" val="3221243530"/>
+                  </a:ext>
+                </a:extLst>
+              </a:tr>
+              <a:tr h="370840">
+                <a:tc>
+                  <a:txBody>
+                    <a:bodyPr/>
+                    <a:lstStyle/>
+                    <a:p>
+                      <a:r>
+                        <a:rPr lang="en-US" dirty="0"/>
+                        <a:t>12,000</a:t>
+                      </a:r>
+                    </a:p>
+                  </a:txBody>
+                  <a:tcPr/>
+                </a:tc>
+                <a:tc>
+                  <a:txBody>
+                    <a:bodyPr/>
+                    <a:lstStyle/>
+                    <a:p>
+                      <a:r>
+                        <a:rPr lang="en-US" dirty="0"/>
+                        <a:t>788</a:t>
+                      </a:r>
+                    </a:p>
+                  </a:txBody>
+                  <a:tcPr/>
+                </a:tc>
+                <a:tc>
+                  <a:txBody>
+                    <a:bodyPr/>
+                    <a:lstStyle/>
+                    <a:p>
+                      <a:r>
+                        <a:rPr lang="en-US" dirty="0"/>
+                        <a:t>196.2/s</a:t>
+                      </a:r>
+                    </a:p>
+                  </a:txBody>
+                  <a:tcPr/>
+                </a:tc>
+                <a:tc>
+                  <a:txBody>
+                    <a:bodyPr/>
+                    <a:lstStyle/>
+                    <a:p>
+                      <a:r>
+                        <a:rPr lang="en-US" dirty="0"/>
+                        <a:t>10</a:t>
+                      </a:r>
+                    </a:p>
+                  </a:txBody>
+                  <a:tcPr/>
+                </a:tc>
+                <a:tc>
+                  <a:txBody>
+                    <a:bodyPr/>
+                    <a:lstStyle/>
+                    <a:p>
+                      <a:r>
+                        <a:rPr lang="en-US" dirty="0"/>
+                        <a:t>4127</a:t>
+                      </a:r>
+                    </a:p>
+                  </a:txBody>
+                  <a:tcPr/>
+                </a:tc>
+                <a:tc>
+                  <a:txBody>
+                    <a:bodyPr/>
+                    <a:lstStyle/>
+                    <a:p>
+                      <a:r>
+                        <a:rPr lang="en-US" dirty="0"/>
+                        <a:t>49%</a:t>
+                      </a:r>
+                    </a:p>
+                  </a:txBody>
+                  <a:tcPr/>
+                </a:tc>
+                <a:tc>
+                  <a:txBody>
+                    <a:bodyPr/>
+                    <a:lstStyle/>
+                    <a:p>
+                      <a:r>
+                        <a:rPr lang="en-US" dirty="0"/>
+                        <a:t>552</a:t>
+                      </a:r>
+                    </a:p>
+                  </a:txBody>
+                  <a:tcPr/>
+                </a:tc>
+                <a:tc>
+                  <a:txBody>
+                    <a:bodyPr/>
+                    <a:lstStyle/>
+                    <a:p>
+                      <a:r>
+                        <a:rPr lang="en-US" dirty="0"/>
+                        <a:t>0.58%</a:t>
+                      </a:r>
+                    </a:p>
+                  </a:txBody>
+                  <a:tcPr/>
+                </a:tc>
+                <a:extLst>
+                  <a:ext uri="{0D108BD9-81ED-4DB2-BD59-A6C34878D82A}">
+                    <a16:rowId xmlns:a16="http://schemas.microsoft.com/office/drawing/2014/main" val="2248632833"/>
+                  </a:ext>
+                </a:extLst>
+              </a:tr>
+              <a:tr h="370840">
+                <a:tc>
+                  <a:txBody>
+                    <a:bodyPr/>
+                    <a:lstStyle/>
+                    <a:p>
+                      <a:r>
+                        <a:rPr lang="en-US" dirty="0"/>
+                        <a:t>15,000</a:t>
+                      </a:r>
+                    </a:p>
+                  </a:txBody>
+                  <a:tcPr/>
+                </a:tc>
+                <a:tc>
+                  <a:txBody>
+                    <a:bodyPr/>
+                    <a:lstStyle/>
+                    <a:p>
+                      <a:r>
+                        <a:rPr lang="en-US" dirty="0"/>
+                        <a:t>1314</a:t>
+                      </a:r>
+                    </a:p>
+                  </a:txBody>
+                  <a:tcPr/>
+                </a:tc>
+                <a:tc>
+                  <a:txBody>
+                    <a:bodyPr/>
+                    <a:lstStyle/>
+                    <a:p>
+                      <a:r>
+                        <a:rPr lang="en-US" dirty="0"/>
+                        <a:t>245.0/s</a:t>
+                      </a:r>
+                    </a:p>
+                  </a:txBody>
+                  <a:tcPr/>
+                </a:tc>
+                <a:tc>
+                  <a:txBody>
+                    <a:bodyPr/>
+                    <a:lstStyle/>
+                    <a:p>
+                      <a:r>
+                        <a:rPr lang="en-US" dirty="0"/>
+                        <a:t>15</a:t>
+                      </a:r>
+                    </a:p>
+                  </a:txBody>
+                  <a:tcPr/>
+                </a:tc>
+                <a:tc>
+                  <a:txBody>
+                    <a:bodyPr/>
+                    <a:lstStyle/>
+                    <a:p>
+                      <a:r>
+                        <a:rPr lang="en-US" dirty="0"/>
+                        <a:t>4274</a:t>
+                      </a:r>
+                    </a:p>
+                  </a:txBody>
+                  <a:tcPr/>
+                </a:tc>
+                <a:tc>
+                  <a:txBody>
+                    <a:bodyPr/>
+                    <a:lstStyle/>
+                    <a:p>
+                      <a:r>
+                        <a:rPr lang="en-US" dirty="0"/>
+                        <a:t>46%</a:t>
+                      </a:r>
+                    </a:p>
+                  </a:txBody>
+                  <a:tcPr/>
+                </a:tc>
+                <a:tc>
+                  <a:txBody>
+                    <a:bodyPr/>
+                    <a:lstStyle/>
+                    <a:p>
+                      <a:r>
+                        <a:rPr lang="en-US" dirty="0"/>
+                        <a:t>627</a:t>
+                      </a:r>
+                    </a:p>
+                  </a:txBody>
+                  <a:tcPr/>
+                </a:tc>
+                <a:tc>
+                  <a:txBody>
+                    <a:bodyPr/>
+                    <a:lstStyle/>
+                    <a:p>
+                      <a:r>
+                        <a:rPr lang="en-US" dirty="0"/>
+                        <a:t>1.62%</a:t>
+                      </a:r>
+                    </a:p>
+                  </a:txBody>
+                  <a:tcPr/>
+                </a:tc>
+                <a:extLst>
+                  <a:ext uri="{0D108BD9-81ED-4DB2-BD59-A6C34878D82A}">
+                    <a16:rowId xmlns:a16="http://schemas.microsoft.com/office/drawing/2014/main" val="910085717"/>
+                  </a:ext>
+                </a:extLst>
+              </a:tr>
+              <a:tr h="370840">
+                <a:tc>
+                  <a:txBody>
+                    <a:bodyPr/>
+                    <a:lstStyle/>
+                    <a:p>
+                      <a:endParaRPr lang="en-US"/>
+                    </a:p>
+                  </a:txBody>
+                  <a:tcPr/>
+                </a:tc>
+                <a:tc>
+                  <a:txBody>
+                    <a:bodyPr/>
+                    <a:lstStyle/>
+                    <a:p>
+                      <a:endParaRPr lang="en-US"/>
+                    </a:p>
+                  </a:txBody>
+                  <a:tcPr/>
+                </a:tc>
+                <a:tc>
+                  <a:txBody>
+                    <a:bodyPr/>
+                    <a:lstStyle/>
+                    <a:p>
+                      <a:endParaRPr lang="en-US"/>
+                    </a:p>
+                  </a:txBody>
+                  <a:tcPr/>
+                </a:tc>
+                <a:tc>
+                  <a:txBody>
+                    <a:bodyPr/>
+                    <a:lstStyle/>
+                    <a:p>
+                      <a:endParaRPr lang="en-US"/>
+                    </a:p>
+                  </a:txBody>
+                  <a:tcPr/>
+                </a:tc>
+                <a:tc>
+                  <a:txBody>
+                    <a:bodyPr/>
+                    <a:lstStyle/>
+                    <a:p>
+                      <a:endParaRPr lang="en-US"/>
+                    </a:p>
+                  </a:txBody>
+                  <a:tcPr/>
+                </a:tc>
+                <a:tc>
+                  <a:txBody>
+                    <a:bodyPr/>
+                    <a:lstStyle/>
+                    <a:p>
+                      <a:endParaRPr lang="en-US"/>
+                    </a:p>
+                  </a:txBody>
+                  <a:tcPr/>
+                </a:tc>
+                <a:tc>
+                  <a:txBody>
+                    <a:bodyPr/>
+                    <a:lstStyle/>
+                    <a:p>
+                      <a:endParaRPr lang="en-US"/>
+                    </a:p>
+                  </a:txBody>
+                  <a:tcPr/>
+                </a:tc>
+                <a:tc>
+                  <a:txBody>
+                    <a:bodyPr/>
+                    <a:lstStyle/>
+                    <a:p>
+                      <a:endParaRPr lang="en-US"/>
+                    </a:p>
+                  </a:txBody>
+                  <a:tcPr/>
+                </a:tc>
+                <a:extLst>
+                  <a:ext uri="{0D108BD9-81ED-4DB2-BD59-A6C34878D82A}">
+                    <a16:rowId xmlns:a16="http://schemas.microsoft.com/office/drawing/2014/main" val="827998233"/>
+                  </a:ext>
+                </a:extLst>
+              </a:tr>
+              <a:tr h="370840">
+                <a:tc>
+                  <a:txBody>
+                    <a:bodyPr/>
+                    <a:lstStyle/>
+                    <a:p>
+                      <a:endParaRPr lang="en-US"/>
+                    </a:p>
+                  </a:txBody>
+                  <a:tcPr/>
+                </a:tc>
+                <a:tc>
+                  <a:txBody>
+                    <a:bodyPr/>
+                    <a:lstStyle/>
+                    <a:p>
+                      <a:endParaRPr lang="en-US"/>
+                    </a:p>
+                  </a:txBody>
+                  <a:tcPr/>
+                </a:tc>
+                <a:tc>
+                  <a:txBody>
+                    <a:bodyPr/>
+                    <a:lstStyle/>
+                    <a:p>
+                      <a:endParaRPr lang="en-US"/>
+                    </a:p>
+                  </a:txBody>
+                  <a:tcPr/>
+                </a:tc>
+                <a:tc>
+                  <a:txBody>
+                    <a:bodyPr/>
+                    <a:lstStyle/>
+                    <a:p>
+                      <a:endParaRPr lang="en-US"/>
+                    </a:p>
+                  </a:txBody>
+                  <a:tcPr/>
+                </a:tc>
+                <a:tc>
+                  <a:txBody>
+                    <a:bodyPr/>
+                    <a:lstStyle/>
+                    <a:p>
+                      <a:endParaRPr lang="en-US"/>
+                    </a:p>
+                  </a:txBody>
+                  <a:tcPr/>
+                </a:tc>
+                <a:tc>
+                  <a:txBody>
+                    <a:bodyPr/>
+                    <a:lstStyle/>
+                    <a:p>
+                      <a:endParaRPr lang="en-US"/>
+                    </a:p>
+                  </a:txBody>
+                  <a:tcPr/>
+                </a:tc>
+                <a:tc>
+                  <a:txBody>
+                    <a:bodyPr/>
+                    <a:lstStyle/>
+                    <a:p>
+                      <a:endParaRPr lang="en-US"/>
+                    </a:p>
+                  </a:txBody>
+                  <a:tcPr/>
+                </a:tc>
+                <a:tc>
+                  <a:txBody>
+                    <a:bodyPr/>
+                    <a:lstStyle/>
+                    <a:p>
+                      <a:endParaRPr lang="en-US"/>
+                    </a:p>
+                  </a:txBody>
+                  <a:tcPr/>
+                </a:tc>
+                <a:extLst>
+                  <a:ext uri="{0D108BD9-81ED-4DB2-BD59-A6C34878D82A}">
+                    <a16:rowId xmlns:a16="http://schemas.microsoft.com/office/drawing/2014/main" val="2070349178"/>
+                  </a:ext>
+                </a:extLst>
+              </a:tr>
+              <a:tr h="370840">
+                <a:tc>
+                  <a:txBody>
+                    <a:bodyPr/>
+                    <a:lstStyle/>
+                    <a:p>
+                      <a:endParaRPr lang="en-US"/>
+                    </a:p>
+                  </a:txBody>
+                  <a:tcPr/>
+                </a:tc>
+                <a:tc>
+                  <a:txBody>
+                    <a:bodyPr/>
+                    <a:lstStyle/>
+                    <a:p>
+                      <a:endParaRPr lang="en-US"/>
+                    </a:p>
+                  </a:txBody>
+                  <a:tcPr/>
+                </a:tc>
+                <a:tc>
+                  <a:txBody>
+                    <a:bodyPr/>
+                    <a:lstStyle/>
+                    <a:p>
+                      <a:endParaRPr lang="en-US"/>
+                    </a:p>
+                  </a:txBody>
+                  <a:tcPr/>
+                </a:tc>
+                <a:tc>
+                  <a:txBody>
+                    <a:bodyPr/>
+                    <a:lstStyle/>
+                    <a:p>
+                      <a:endParaRPr lang="en-US"/>
+                    </a:p>
+                  </a:txBody>
+                  <a:tcPr/>
+                </a:tc>
+                <a:tc>
+                  <a:txBody>
+                    <a:bodyPr/>
+                    <a:lstStyle/>
+                    <a:p>
+                      <a:endParaRPr lang="en-US"/>
+                    </a:p>
+                  </a:txBody>
+                  <a:tcPr/>
+                </a:tc>
+                <a:tc>
+                  <a:txBody>
+                    <a:bodyPr/>
+                    <a:lstStyle/>
+                    <a:p>
+                      <a:endParaRPr lang="en-US"/>
+                    </a:p>
+                  </a:txBody>
+                  <a:tcPr/>
+                </a:tc>
+                <a:tc>
+                  <a:txBody>
+                    <a:bodyPr/>
+                    <a:lstStyle/>
+                    <a:p>
+                      <a:endParaRPr lang="en-US"/>
+                    </a:p>
+                  </a:txBody>
+                  <a:tcPr/>
+                </a:tc>
+                <a:tc>
+                  <a:txBody>
+                    <a:bodyPr/>
+                    <a:lstStyle/>
+                    <a:p>
+                      <a:endParaRPr lang="en-US" dirty="0"/>
+                    </a:p>
+                  </a:txBody>
+                  <a:tcPr/>
+                </a:tc>
+                <a:extLst>
+                  <a:ext uri="{0D108BD9-81ED-4DB2-BD59-A6C34878D82A}">
+                    <a16:rowId xmlns:a16="http://schemas.microsoft.com/office/drawing/2014/main" val="2430330095"/>
+                  </a:ext>
+                </a:extLst>
+              </a:tr>
+            </a:tbl>
+          </a:graphicData>
+        </a:graphic>
+      </p:graphicFrame>
+      <p:sp>
+        <p:nvSpPr>
+          <p:cNvPr id="4" name="TextBox 3">
+            <a:extLst>
+              <a:ext uri="{FF2B5EF4-FFF2-40B4-BE49-F238E27FC236}">
+                <a16:creationId xmlns:a16="http://schemas.microsoft.com/office/drawing/2014/main" id="{DAE5B524-85EC-4F49-8FCC-411797D0587A}"/>
+              </a:ext>
+            </a:extLst>
+          </p:cNvPr>
+          <p:cNvSpPr txBox="1"/>
+          <p:nvPr/>
+        </p:nvSpPr>
+        <p:spPr>
+          <a:xfrm>
+            <a:off x="1158240" y="1542573"/>
+            <a:ext cx="10378440" cy="369332"/>
+          </a:xfrm>
+          <a:prstGeom prst="rect">
+            <a:avLst/>
+          </a:prstGeom>
+          <a:noFill/>
+        </p:spPr>
+        <p:txBody>
+          <a:bodyPr wrap="square" rtlCol="0">
+            <a:spAutoFit/>
+          </a:bodyPr>
+          <a:lstStyle/>
+          <a:p>
+            <a:r>
+              <a:rPr lang="en-US" dirty="0"/>
+              <a:t>Temporal, Demo, Proxy each have been  horizontally scaled to 3 pods each from configuration itself</a:t>
+            </a:r>
+          </a:p>
+        </p:txBody>
+      </p:sp>
+    </p:spTree>
+    <p:extLst>
+      <p:ext uri="{BB962C8B-B14F-4D97-AF65-F5344CB8AC3E}">
+        <p14:creationId xmlns:p14="http://schemas.microsoft.com/office/powerpoint/2010/main" val="3285322426"/>
       </p:ext>
     </p:extLst>
   </p:cSld>

--- a/TemporalPPT.pptx
+++ b/TemporalPPT.pptx
@@ -8,6 +8,7 @@
     <p:sldId id="257" r:id="rId2"/>
     <p:sldId id="258" r:id="rId3"/>
     <p:sldId id="259" r:id="rId4"/>
+    <p:sldId id="260" r:id="rId5"/>
   </p:sldIdLst>
   <p:sldSz cx="12192000" cy="6858000"/>
   <p:notesSz cx="6858000" cy="9144000"/>
@@ -261,7 +262,7 @@
           <a:p>
             <a:fld id="{850429CE-E1C8-4940-9903-88A64945F425}" type="datetimeFigureOut">
               <a:rPr lang="en-US" smtClean="0"/>
-              <a:t>2/17/2022</a:t>
+              <a:t>2/18/2022</a:t>
             </a:fld>
             <a:endParaRPr lang="en-US"/>
           </a:p>
@@ -459,7 +460,7 @@
           <a:p>
             <a:fld id="{850429CE-E1C8-4940-9903-88A64945F425}" type="datetimeFigureOut">
               <a:rPr lang="en-US" smtClean="0"/>
-              <a:t>2/17/2022</a:t>
+              <a:t>2/18/2022</a:t>
             </a:fld>
             <a:endParaRPr lang="en-US"/>
           </a:p>
@@ -667,7 +668,7 @@
           <a:p>
             <a:fld id="{850429CE-E1C8-4940-9903-88A64945F425}" type="datetimeFigureOut">
               <a:rPr lang="en-US" smtClean="0"/>
-              <a:t>2/17/2022</a:t>
+              <a:t>2/18/2022</a:t>
             </a:fld>
             <a:endParaRPr lang="en-US"/>
           </a:p>
@@ -865,7 +866,7 @@
           <a:p>
             <a:fld id="{850429CE-E1C8-4940-9903-88A64945F425}" type="datetimeFigureOut">
               <a:rPr lang="en-US" smtClean="0"/>
-              <a:t>2/17/2022</a:t>
+              <a:t>2/18/2022</a:t>
             </a:fld>
             <a:endParaRPr lang="en-US"/>
           </a:p>
@@ -1140,7 +1141,7 @@
           <a:p>
             <a:fld id="{850429CE-E1C8-4940-9903-88A64945F425}" type="datetimeFigureOut">
               <a:rPr lang="en-US" smtClean="0"/>
-              <a:t>2/17/2022</a:t>
+              <a:t>2/18/2022</a:t>
             </a:fld>
             <a:endParaRPr lang="en-US"/>
           </a:p>
@@ -1405,7 +1406,7 @@
           <a:p>
             <a:fld id="{850429CE-E1C8-4940-9903-88A64945F425}" type="datetimeFigureOut">
               <a:rPr lang="en-US" smtClean="0"/>
-              <a:t>2/17/2022</a:t>
+              <a:t>2/18/2022</a:t>
             </a:fld>
             <a:endParaRPr lang="en-US"/>
           </a:p>
@@ -1817,7 +1818,7 @@
           <a:p>
             <a:fld id="{850429CE-E1C8-4940-9903-88A64945F425}" type="datetimeFigureOut">
               <a:rPr lang="en-US" smtClean="0"/>
-              <a:t>2/17/2022</a:t>
+              <a:t>2/18/2022</a:t>
             </a:fld>
             <a:endParaRPr lang="en-US"/>
           </a:p>
@@ -1958,7 +1959,7 @@
           <a:p>
             <a:fld id="{850429CE-E1C8-4940-9903-88A64945F425}" type="datetimeFigureOut">
               <a:rPr lang="en-US" smtClean="0"/>
-              <a:t>2/17/2022</a:t>
+              <a:t>2/18/2022</a:t>
             </a:fld>
             <a:endParaRPr lang="en-US"/>
           </a:p>
@@ -2071,7 +2072,7 @@
           <a:p>
             <a:fld id="{850429CE-E1C8-4940-9903-88A64945F425}" type="datetimeFigureOut">
               <a:rPr lang="en-US" smtClean="0"/>
-              <a:t>2/17/2022</a:t>
+              <a:t>2/18/2022</a:t>
             </a:fld>
             <a:endParaRPr lang="en-US"/>
           </a:p>
@@ -2382,7 +2383,7 @@
           <a:p>
             <a:fld id="{850429CE-E1C8-4940-9903-88A64945F425}" type="datetimeFigureOut">
               <a:rPr lang="en-US" smtClean="0"/>
-              <a:t>2/17/2022</a:t>
+              <a:t>2/18/2022</a:t>
             </a:fld>
             <a:endParaRPr lang="en-US"/>
           </a:p>
@@ -2670,7 +2671,7 @@
           <a:p>
             <a:fld id="{850429CE-E1C8-4940-9903-88A64945F425}" type="datetimeFigureOut">
               <a:rPr lang="en-US" smtClean="0"/>
-              <a:t>2/17/2022</a:t>
+              <a:t>2/18/2022</a:t>
             </a:fld>
             <a:endParaRPr lang="en-US"/>
           </a:p>
@@ -2911,7 +2912,7 @@
           <a:p>
             <a:fld id="{850429CE-E1C8-4940-9903-88A64945F425}" type="datetimeFigureOut">
               <a:rPr lang="en-US" smtClean="0"/>
-              <a:t>2/17/2022</a:t>
+              <a:t>2/18/2022</a:t>
             </a:fld>
             <a:endParaRPr lang="en-US"/>
           </a:p>
@@ -5838,6 +5839,696 @@
 </p:sld>
 </file>
 
+<file path=ppt/slides/slide4.xml><?xml version="1.0" encoding="utf-8"?>
+<p:sld xmlns:a="http://schemas.openxmlformats.org/drawingml/2006/main" xmlns:r="http://schemas.openxmlformats.org/officeDocument/2006/relationships" xmlns:p="http://schemas.openxmlformats.org/presentationml/2006/main">
+  <p:cSld>
+    <p:spTree>
+      <p:nvGrpSpPr>
+        <p:cNvPr id="1" name=""/>
+        <p:cNvGrpSpPr/>
+        <p:nvPr/>
+      </p:nvGrpSpPr>
+      <p:grpSpPr>
+        <a:xfrm>
+          <a:off x="0" y="0"/>
+          <a:ext cx="0" cy="0"/>
+          <a:chOff x="0" y="0"/>
+          <a:chExt cx="0" cy="0"/>
+        </a:xfrm>
+      </p:grpSpPr>
+      <p:sp>
+        <p:nvSpPr>
+          <p:cNvPr id="2" name="Title 1">
+            <a:extLst>
+              <a:ext uri="{FF2B5EF4-FFF2-40B4-BE49-F238E27FC236}">
+                <a16:creationId xmlns:a16="http://schemas.microsoft.com/office/drawing/2014/main" id="{1B17C559-2F84-416D-974F-1D52EF46C616}"/>
+              </a:ext>
+            </a:extLst>
+          </p:cNvPr>
+          <p:cNvSpPr>
+            <a:spLocks noGrp="1"/>
+          </p:cNvSpPr>
+          <p:nvPr>
+            <p:ph type="title"/>
+          </p:nvPr>
+        </p:nvSpPr>
+        <p:spPr/>
+        <p:txBody>
+          <a:bodyPr>
+            <a:normAutofit/>
+          </a:bodyPr>
+          <a:lstStyle/>
+          <a:p>
+            <a:r>
+              <a:rPr lang="en-US" sz="4000" dirty="0"/>
+              <a:t>Temporal Performance Testing(New Workflow)</a:t>
+            </a:r>
+          </a:p>
+        </p:txBody>
+      </p:sp>
+      <p:graphicFrame>
+        <p:nvGraphicFramePr>
+          <p:cNvPr id="4" name="Table 4">
+            <a:extLst>
+              <a:ext uri="{FF2B5EF4-FFF2-40B4-BE49-F238E27FC236}">
+                <a16:creationId xmlns:a16="http://schemas.microsoft.com/office/drawing/2014/main" id="{6CD021A9-07FA-4279-B01D-22AAF88312F4}"/>
+              </a:ext>
+            </a:extLst>
+          </p:cNvPr>
+          <p:cNvGraphicFramePr>
+            <a:graphicFrameLocks noGrp="1"/>
+          </p:cNvGraphicFramePr>
+          <p:nvPr>
+            <p:ph idx="1"/>
+            <p:extLst>
+              <p:ext uri="{D42A27DB-BD31-4B8C-83A1-F6EECF244321}">
+                <p14:modId xmlns:p14="http://schemas.microsoft.com/office/powerpoint/2010/main" val="827070786"/>
+              </p:ext>
+            </p:extLst>
+          </p:nvPr>
+        </p:nvGraphicFramePr>
+        <p:xfrm>
+          <a:off x="838200" y="1825625"/>
+          <a:ext cx="10515600" cy="2966720"/>
+        </p:xfrm>
+        <a:graphic>
+          <a:graphicData uri="http://schemas.openxmlformats.org/drawingml/2006/table">
+            <a:tbl>
+              <a:tblPr firstRow="1" bandRow="1">
+                <a:tableStyleId>{5C22544A-7EE6-4342-B048-85BDC9FD1C3A}</a:tableStyleId>
+              </a:tblPr>
+              <a:tblGrid>
+                <a:gridCol w="1752600">
+                  <a:extLst>
+                    <a:ext uri="{9D8B030D-6E8A-4147-A177-3AD203B41FA5}">
+                      <a16:colId xmlns:a16="http://schemas.microsoft.com/office/drawing/2014/main" val="1156170760"/>
+                    </a:ext>
+                  </a:extLst>
+                </a:gridCol>
+                <a:gridCol w="1752600">
+                  <a:extLst>
+                    <a:ext uri="{9D8B030D-6E8A-4147-A177-3AD203B41FA5}">
+                      <a16:colId xmlns:a16="http://schemas.microsoft.com/office/drawing/2014/main" val="3101747328"/>
+                    </a:ext>
+                  </a:extLst>
+                </a:gridCol>
+                <a:gridCol w="1752600">
+                  <a:extLst>
+                    <a:ext uri="{9D8B030D-6E8A-4147-A177-3AD203B41FA5}">
+                      <a16:colId xmlns:a16="http://schemas.microsoft.com/office/drawing/2014/main" val="896021477"/>
+                    </a:ext>
+                  </a:extLst>
+                </a:gridCol>
+                <a:gridCol w="1752600">
+                  <a:extLst>
+                    <a:ext uri="{9D8B030D-6E8A-4147-A177-3AD203B41FA5}">
+                      <a16:colId xmlns:a16="http://schemas.microsoft.com/office/drawing/2014/main" val="4144064462"/>
+                    </a:ext>
+                  </a:extLst>
+                </a:gridCol>
+                <a:gridCol w="1752600">
+                  <a:extLst>
+                    <a:ext uri="{9D8B030D-6E8A-4147-A177-3AD203B41FA5}">
+                      <a16:colId xmlns:a16="http://schemas.microsoft.com/office/drawing/2014/main" val="3477072796"/>
+                    </a:ext>
+                  </a:extLst>
+                </a:gridCol>
+                <a:gridCol w="1752600">
+                  <a:extLst>
+                    <a:ext uri="{9D8B030D-6E8A-4147-A177-3AD203B41FA5}">
+                      <a16:colId xmlns:a16="http://schemas.microsoft.com/office/drawing/2014/main" val="1813657675"/>
+                    </a:ext>
+                  </a:extLst>
+                </a:gridCol>
+              </a:tblGrid>
+              <a:tr h="370840">
+                <a:tc>
+                  <a:txBody>
+                    <a:bodyPr/>
+                    <a:lstStyle/>
+                    <a:p>
+                      <a:r>
+                        <a:rPr lang="en-US" sz="1600" dirty="0"/>
+                        <a:t>THREADS</a:t>
+                      </a:r>
+                    </a:p>
+                  </a:txBody>
+                  <a:tcPr/>
+                </a:tc>
+                <a:tc>
+                  <a:txBody>
+                    <a:bodyPr/>
+                    <a:lstStyle/>
+                    <a:p>
+                      <a:r>
+                        <a:rPr lang="en-US" sz="1600" dirty="0"/>
+                        <a:t>AVERAGE</a:t>
+                      </a:r>
+                    </a:p>
+                  </a:txBody>
+                  <a:tcPr/>
+                </a:tc>
+                <a:tc>
+                  <a:txBody>
+                    <a:bodyPr/>
+                    <a:lstStyle/>
+                    <a:p>
+                      <a:r>
+                        <a:rPr lang="en-US" sz="1600" dirty="0"/>
+                        <a:t>THROUGHPUT</a:t>
+                      </a:r>
+                    </a:p>
+                  </a:txBody>
+                  <a:tcPr/>
+                </a:tc>
+                <a:tc>
+                  <a:txBody>
+                    <a:bodyPr/>
+                    <a:lstStyle/>
+                    <a:p>
+                      <a:r>
+                        <a:rPr lang="en-US" sz="1600" dirty="0"/>
+                        <a:t>MIN</a:t>
+                      </a:r>
+                    </a:p>
+                  </a:txBody>
+                  <a:tcPr/>
+                </a:tc>
+                <a:tc>
+                  <a:txBody>
+                    <a:bodyPr/>
+                    <a:lstStyle/>
+                    <a:p>
+                      <a:r>
+                        <a:rPr lang="en-US" sz="1600" dirty="0"/>
+                        <a:t>MAX</a:t>
+                      </a:r>
+                    </a:p>
+                  </a:txBody>
+                  <a:tcPr/>
+                </a:tc>
+                <a:tc>
+                  <a:txBody>
+                    <a:bodyPr/>
+                    <a:lstStyle/>
+                    <a:p>
+                      <a:endParaRPr lang="en-US"/>
+                    </a:p>
+                  </a:txBody>
+                  <a:tcPr/>
+                </a:tc>
+                <a:extLst>
+                  <a:ext uri="{0D108BD9-81ED-4DB2-BD59-A6C34878D82A}">
+                    <a16:rowId xmlns:a16="http://schemas.microsoft.com/office/drawing/2014/main" val="2046842220"/>
+                  </a:ext>
+                </a:extLst>
+              </a:tr>
+              <a:tr h="370840">
+                <a:tc>
+                  <a:txBody>
+                    <a:bodyPr/>
+                    <a:lstStyle/>
+                    <a:p>
+                      <a:endParaRPr lang="en-US"/>
+                    </a:p>
+                  </a:txBody>
+                  <a:tcPr/>
+                </a:tc>
+                <a:tc>
+                  <a:txBody>
+                    <a:bodyPr/>
+                    <a:lstStyle/>
+                    <a:p>
+                      <a:endParaRPr lang="en-US"/>
+                    </a:p>
+                  </a:txBody>
+                  <a:tcPr/>
+                </a:tc>
+                <a:tc>
+                  <a:txBody>
+                    <a:bodyPr/>
+                    <a:lstStyle/>
+                    <a:p>
+                      <a:endParaRPr lang="en-US"/>
+                    </a:p>
+                  </a:txBody>
+                  <a:tcPr/>
+                </a:tc>
+                <a:tc>
+                  <a:txBody>
+                    <a:bodyPr/>
+                    <a:lstStyle/>
+                    <a:p>
+                      <a:endParaRPr lang="en-US"/>
+                    </a:p>
+                  </a:txBody>
+                  <a:tcPr/>
+                </a:tc>
+                <a:tc>
+                  <a:txBody>
+                    <a:bodyPr/>
+                    <a:lstStyle/>
+                    <a:p>
+                      <a:endParaRPr lang="en-US"/>
+                    </a:p>
+                  </a:txBody>
+                  <a:tcPr/>
+                </a:tc>
+                <a:tc>
+                  <a:txBody>
+                    <a:bodyPr/>
+                    <a:lstStyle/>
+                    <a:p>
+                      <a:endParaRPr lang="en-US"/>
+                    </a:p>
+                  </a:txBody>
+                  <a:tcPr/>
+                </a:tc>
+                <a:extLst>
+                  <a:ext uri="{0D108BD9-81ED-4DB2-BD59-A6C34878D82A}">
+                    <a16:rowId xmlns:a16="http://schemas.microsoft.com/office/drawing/2014/main" val="1237823900"/>
+                  </a:ext>
+                </a:extLst>
+              </a:tr>
+              <a:tr h="370840">
+                <a:tc>
+                  <a:txBody>
+                    <a:bodyPr/>
+                    <a:lstStyle/>
+                    <a:p>
+                      <a:endParaRPr lang="en-US"/>
+                    </a:p>
+                  </a:txBody>
+                  <a:tcPr/>
+                </a:tc>
+                <a:tc>
+                  <a:txBody>
+                    <a:bodyPr/>
+                    <a:lstStyle/>
+                    <a:p>
+                      <a:endParaRPr lang="en-US"/>
+                    </a:p>
+                  </a:txBody>
+                  <a:tcPr/>
+                </a:tc>
+                <a:tc>
+                  <a:txBody>
+                    <a:bodyPr/>
+                    <a:lstStyle/>
+                    <a:p>
+                      <a:endParaRPr lang="en-US"/>
+                    </a:p>
+                  </a:txBody>
+                  <a:tcPr/>
+                </a:tc>
+                <a:tc>
+                  <a:txBody>
+                    <a:bodyPr/>
+                    <a:lstStyle/>
+                    <a:p>
+                      <a:endParaRPr lang="en-US"/>
+                    </a:p>
+                  </a:txBody>
+                  <a:tcPr/>
+                </a:tc>
+                <a:tc>
+                  <a:txBody>
+                    <a:bodyPr/>
+                    <a:lstStyle/>
+                    <a:p>
+                      <a:endParaRPr lang="en-US"/>
+                    </a:p>
+                  </a:txBody>
+                  <a:tcPr/>
+                </a:tc>
+                <a:tc>
+                  <a:txBody>
+                    <a:bodyPr/>
+                    <a:lstStyle/>
+                    <a:p>
+                      <a:endParaRPr lang="en-US"/>
+                    </a:p>
+                  </a:txBody>
+                  <a:tcPr/>
+                </a:tc>
+                <a:extLst>
+                  <a:ext uri="{0D108BD9-81ED-4DB2-BD59-A6C34878D82A}">
+                    <a16:rowId xmlns:a16="http://schemas.microsoft.com/office/drawing/2014/main" val="3083749722"/>
+                  </a:ext>
+                </a:extLst>
+              </a:tr>
+              <a:tr h="370840">
+                <a:tc>
+                  <a:txBody>
+                    <a:bodyPr/>
+                    <a:lstStyle/>
+                    <a:p>
+                      <a:endParaRPr lang="en-US"/>
+                    </a:p>
+                  </a:txBody>
+                  <a:tcPr/>
+                </a:tc>
+                <a:tc>
+                  <a:txBody>
+                    <a:bodyPr/>
+                    <a:lstStyle/>
+                    <a:p>
+                      <a:endParaRPr lang="en-US"/>
+                    </a:p>
+                  </a:txBody>
+                  <a:tcPr/>
+                </a:tc>
+                <a:tc>
+                  <a:txBody>
+                    <a:bodyPr/>
+                    <a:lstStyle/>
+                    <a:p>
+                      <a:endParaRPr lang="en-US"/>
+                    </a:p>
+                  </a:txBody>
+                  <a:tcPr/>
+                </a:tc>
+                <a:tc>
+                  <a:txBody>
+                    <a:bodyPr/>
+                    <a:lstStyle/>
+                    <a:p>
+                      <a:endParaRPr lang="en-US"/>
+                    </a:p>
+                  </a:txBody>
+                  <a:tcPr/>
+                </a:tc>
+                <a:tc>
+                  <a:txBody>
+                    <a:bodyPr/>
+                    <a:lstStyle/>
+                    <a:p>
+                      <a:endParaRPr lang="en-US"/>
+                    </a:p>
+                  </a:txBody>
+                  <a:tcPr/>
+                </a:tc>
+                <a:tc>
+                  <a:txBody>
+                    <a:bodyPr/>
+                    <a:lstStyle/>
+                    <a:p>
+                      <a:endParaRPr lang="en-US"/>
+                    </a:p>
+                  </a:txBody>
+                  <a:tcPr/>
+                </a:tc>
+                <a:extLst>
+                  <a:ext uri="{0D108BD9-81ED-4DB2-BD59-A6C34878D82A}">
+                    <a16:rowId xmlns:a16="http://schemas.microsoft.com/office/drawing/2014/main" val="2957515648"/>
+                  </a:ext>
+                </a:extLst>
+              </a:tr>
+              <a:tr h="370840">
+                <a:tc>
+                  <a:txBody>
+                    <a:bodyPr/>
+                    <a:lstStyle/>
+                    <a:p>
+                      <a:endParaRPr lang="en-US"/>
+                    </a:p>
+                  </a:txBody>
+                  <a:tcPr/>
+                </a:tc>
+                <a:tc>
+                  <a:txBody>
+                    <a:bodyPr/>
+                    <a:lstStyle/>
+                    <a:p>
+                      <a:endParaRPr lang="en-US"/>
+                    </a:p>
+                  </a:txBody>
+                  <a:tcPr/>
+                </a:tc>
+                <a:tc>
+                  <a:txBody>
+                    <a:bodyPr/>
+                    <a:lstStyle/>
+                    <a:p>
+                      <a:endParaRPr lang="en-US"/>
+                    </a:p>
+                  </a:txBody>
+                  <a:tcPr/>
+                </a:tc>
+                <a:tc>
+                  <a:txBody>
+                    <a:bodyPr/>
+                    <a:lstStyle/>
+                    <a:p>
+                      <a:endParaRPr lang="en-US"/>
+                    </a:p>
+                  </a:txBody>
+                  <a:tcPr/>
+                </a:tc>
+                <a:tc>
+                  <a:txBody>
+                    <a:bodyPr/>
+                    <a:lstStyle/>
+                    <a:p>
+                      <a:endParaRPr lang="en-US"/>
+                    </a:p>
+                  </a:txBody>
+                  <a:tcPr/>
+                </a:tc>
+                <a:tc>
+                  <a:txBody>
+                    <a:bodyPr/>
+                    <a:lstStyle/>
+                    <a:p>
+                      <a:endParaRPr lang="en-US"/>
+                    </a:p>
+                  </a:txBody>
+                  <a:tcPr/>
+                </a:tc>
+                <a:extLst>
+                  <a:ext uri="{0D108BD9-81ED-4DB2-BD59-A6C34878D82A}">
+                    <a16:rowId xmlns:a16="http://schemas.microsoft.com/office/drawing/2014/main" val="1158382548"/>
+                  </a:ext>
+                </a:extLst>
+              </a:tr>
+              <a:tr h="370840">
+                <a:tc>
+                  <a:txBody>
+                    <a:bodyPr/>
+                    <a:lstStyle/>
+                    <a:p>
+                      <a:endParaRPr lang="en-US"/>
+                    </a:p>
+                  </a:txBody>
+                  <a:tcPr/>
+                </a:tc>
+                <a:tc>
+                  <a:txBody>
+                    <a:bodyPr/>
+                    <a:lstStyle/>
+                    <a:p>
+                      <a:endParaRPr lang="en-US"/>
+                    </a:p>
+                  </a:txBody>
+                  <a:tcPr/>
+                </a:tc>
+                <a:tc>
+                  <a:txBody>
+                    <a:bodyPr/>
+                    <a:lstStyle/>
+                    <a:p>
+                      <a:endParaRPr lang="en-US"/>
+                    </a:p>
+                  </a:txBody>
+                  <a:tcPr/>
+                </a:tc>
+                <a:tc>
+                  <a:txBody>
+                    <a:bodyPr/>
+                    <a:lstStyle/>
+                    <a:p>
+                      <a:endParaRPr lang="en-US"/>
+                    </a:p>
+                  </a:txBody>
+                  <a:tcPr/>
+                </a:tc>
+                <a:tc>
+                  <a:txBody>
+                    <a:bodyPr/>
+                    <a:lstStyle/>
+                    <a:p>
+                      <a:endParaRPr lang="en-US"/>
+                    </a:p>
+                  </a:txBody>
+                  <a:tcPr/>
+                </a:tc>
+                <a:tc>
+                  <a:txBody>
+                    <a:bodyPr/>
+                    <a:lstStyle/>
+                    <a:p>
+                      <a:endParaRPr lang="en-US"/>
+                    </a:p>
+                  </a:txBody>
+                  <a:tcPr/>
+                </a:tc>
+                <a:extLst>
+                  <a:ext uri="{0D108BD9-81ED-4DB2-BD59-A6C34878D82A}">
+                    <a16:rowId xmlns:a16="http://schemas.microsoft.com/office/drawing/2014/main" val="4233816016"/>
+                  </a:ext>
+                </a:extLst>
+              </a:tr>
+              <a:tr h="370840">
+                <a:tc>
+                  <a:txBody>
+                    <a:bodyPr/>
+                    <a:lstStyle/>
+                    <a:p>
+                      <a:endParaRPr lang="en-US"/>
+                    </a:p>
+                  </a:txBody>
+                  <a:tcPr/>
+                </a:tc>
+                <a:tc>
+                  <a:txBody>
+                    <a:bodyPr/>
+                    <a:lstStyle/>
+                    <a:p>
+                      <a:endParaRPr lang="en-US"/>
+                    </a:p>
+                  </a:txBody>
+                  <a:tcPr/>
+                </a:tc>
+                <a:tc>
+                  <a:txBody>
+                    <a:bodyPr/>
+                    <a:lstStyle/>
+                    <a:p>
+                      <a:endParaRPr lang="en-US"/>
+                    </a:p>
+                  </a:txBody>
+                  <a:tcPr/>
+                </a:tc>
+                <a:tc>
+                  <a:txBody>
+                    <a:bodyPr/>
+                    <a:lstStyle/>
+                    <a:p>
+                      <a:endParaRPr lang="en-US"/>
+                    </a:p>
+                  </a:txBody>
+                  <a:tcPr/>
+                </a:tc>
+                <a:tc>
+                  <a:txBody>
+                    <a:bodyPr/>
+                    <a:lstStyle/>
+                    <a:p>
+                      <a:endParaRPr lang="en-US"/>
+                    </a:p>
+                  </a:txBody>
+                  <a:tcPr/>
+                </a:tc>
+                <a:tc>
+                  <a:txBody>
+                    <a:bodyPr/>
+                    <a:lstStyle/>
+                    <a:p>
+                      <a:endParaRPr lang="en-US"/>
+                    </a:p>
+                  </a:txBody>
+                  <a:tcPr/>
+                </a:tc>
+                <a:extLst>
+                  <a:ext uri="{0D108BD9-81ED-4DB2-BD59-A6C34878D82A}">
+                    <a16:rowId xmlns:a16="http://schemas.microsoft.com/office/drawing/2014/main" val="675911317"/>
+                  </a:ext>
+                </a:extLst>
+              </a:tr>
+              <a:tr h="370840">
+                <a:tc>
+                  <a:txBody>
+                    <a:bodyPr/>
+                    <a:lstStyle/>
+                    <a:p>
+                      <a:endParaRPr lang="en-US"/>
+                    </a:p>
+                  </a:txBody>
+                  <a:tcPr/>
+                </a:tc>
+                <a:tc>
+                  <a:txBody>
+                    <a:bodyPr/>
+                    <a:lstStyle/>
+                    <a:p>
+                      <a:endParaRPr lang="en-US"/>
+                    </a:p>
+                  </a:txBody>
+                  <a:tcPr/>
+                </a:tc>
+                <a:tc>
+                  <a:txBody>
+                    <a:bodyPr/>
+                    <a:lstStyle/>
+                    <a:p>
+                      <a:endParaRPr lang="en-US"/>
+                    </a:p>
+                  </a:txBody>
+                  <a:tcPr/>
+                </a:tc>
+                <a:tc>
+                  <a:txBody>
+                    <a:bodyPr/>
+                    <a:lstStyle/>
+                    <a:p>
+                      <a:endParaRPr lang="en-US"/>
+                    </a:p>
+                  </a:txBody>
+                  <a:tcPr/>
+                </a:tc>
+                <a:tc>
+                  <a:txBody>
+                    <a:bodyPr/>
+                    <a:lstStyle/>
+                    <a:p>
+                      <a:endParaRPr lang="en-US"/>
+                    </a:p>
+                  </a:txBody>
+                  <a:tcPr/>
+                </a:tc>
+                <a:tc>
+                  <a:txBody>
+                    <a:bodyPr/>
+                    <a:lstStyle/>
+                    <a:p>
+                      <a:endParaRPr lang="en-US" dirty="0"/>
+                    </a:p>
+                  </a:txBody>
+                  <a:tcPr/>
+                </a:tc>
+                <a:extLst>
+                  <a:ext uri="{0D108BD9-81ED-4DB2-BD59-A6C34878D82A}">
+                    <a16:rowId xmlns:a16="http://schemas.microsoft.com/office/drawing/2014/main" val="1710378203"/>
+                  </a:ext>
+                </a:extLst>
+              </a:tr>
+            </a:tbl>
+          </a:graphicData>
+        </a:graphic>
+      </p:graphicFrame>
+    </p:spTree>
+    <p:extLst>
+      <p:ext uri="{BB962C8B-B14F-4D97-AF65-F5344CB8AC3E}">
+        <p14:creationId xmlns:p14="http://schemas.microsoft.com/office/powerpoint/2010/main" val="586884480"/>
+      </p:ext>
+    </p:extLst>
+  </p:cSld>
+  <p:clrMapOvr>
+    <a:masterClrMapping/>
+  </p:clrMapOvr>
+</p:sld>
+</file>
+
 <file path=ppt/theme/theme1.xml><?xml version="1.0" encoding="utf-8"?>
 <a:theme xmlns:a="http://schemas.openxmlformats.org/drawingml/2006/main" name="Office Theme">
   <a:themeElements>

--- a/TemporalPPT.pptx
+++ b/TemporalPPT.pptx
@@ -262,7 +262,7 @@
           <a:p>
             <a:fld id="{850429CE-E1C8-4940-9903-88A64945F425}" type="datetimeFigureOut">
               <a:rPr lang="en-US" smtClean="0"/>
-              <a:t>2/18/2022</a:t>
+              <a:t>2/21/2022</a:t>
             </a:fld>
             <a:endParaRPr lang="en-US"/>
           </a:p>
@@ -460,7 +460,7 @@
           <a:p>
             <a:fld id="{850429CE-E1C8-4940-9903-88A64945F425}" type="datetimeFigureOut">
               <a:rPr lang="en-US" smtClean="0"/>
-              <a:t>2/18/2022</a:t>
+              <a:t>2/21/2022</a:t>
             </a:fld>
             <a:endParaRPr lang="en-US"/>
           </a:p>
@@ -668,7 +668,7 @@
           <a:p>
             <a:fld id="{850429CE-E1C8-4940-9903-88A64945F425}" type="datetimeFigureOut">
               <a:rPr lang="en-US" smtClean="0"/>
-              <a:t>2/18/2022</a:t>
+              <a:t>2/21/2022</a:t>
             </a:fld>
             <a:endParaRPr lang="en-US"/>
           </a:p>
@@ -866,7 +866,7 @@
           <a:p>
             <a:fld id="{850429CE-E1C8-4940-9903-88A64945F425}" type="datetimeFigureOut">
               <a:rPr lang="en-US" smtClean="0"/>
-              <a:t>2/18/2022</a:t>
+              <a:t>2/21/2022</a:t>
             </a:fld>
             <a:endParaRPr lang="en-US"/>
           </a:p>
@@ -1141,7 +1141,7 @@
           <a:p>
             <a:fld id="{850429CE-E1C8-4940-9903-88A64945F425}" type="datetimeFigureOut">
               <a:rPr lang="en-US" smtClean="0"/>
-              <a:t>2/18/2022</a:t>
+              <a:t>2/21/2022</a:t>
             </a:fld>
             <a:endParaRPr lang="en-US"/>
           </a:p>
@@ -1406,7 +1406,7 @@
           <a:p>
             <a:fld id="{850429CE-E1C8-4940-9903-88A64945F425}" type="datetimeFigureOut">
               <a:rPr lang="en-US" smtClean="0"/>
-              <a:t>2/18/2022</a:t>
+              <a:t>2/21/2022</a:t>
             </a:fld>
             <a:endParaRPr lang="en-US"/>
           </a:p>
@@ -1818,7 +1818,7 @@
           <a:p>
             <a:fld id="{850429CE-E1C8-4940-9903-88A64945F425}" type="datetimeFigureOut">
               <a:rPr lang="en-US" smtClean="0"/>
-              <a:t>2/18/2022</a:t>
+              <a:t>2/21/2022</a:t>
             </a:fld>
             <a:endParaRPr lang="en-US"/>
           </a:p>
@@ -1959,7 +1959,7 @@
           <a:p>
             <a:fld id="{850429CE-E1C8-4940-9903-88A64945F425}" type="datetimeFigureOut">
               <a:rPr lang="en-US" smtClean="0"/>
-              <a:t>2/18/2022</a:t>
+              <a:t>2/21/2022</a:t>
             </a:fld>
             <a:endParaRPr lang="en-US"/>
           </a:p>
@@ -2072,7 +2072,7 @@
           <a:p>
             <a:fld id="{850429CE-E1C8-4940-9903-88A64945F425}" type="datetimeFigureOut">
               <a:rPr lang="en-US" smtClean="0"/>
-              <a:t>2/18/2022</a:t>
+              <a:t>2/21/2022</a:t>
             </a:fld>
             <a:endParaRPr lang="en-US"/>
           </a:p>
@@ -2383,7 +2383,7 @@
           <a:p>
             <a:fld id="{850429CE-E1C8-4940-9903-88A64945F425}" type="datetimeFigureOut">
               <a:rPr lang="en-US" smtClean="0"/>
-              <a:t>2/18/2022</a:t>
+              <a:t>2/21/2022</a:t>
             </a:fld>
             <a:endParaRPr lang="en-US"/>
           </a:p>
@@ -2671,7 +2671,7 @@
           <a:p>
             <a:fld id="{850429CE-E1C8-4940-9903-88A64945F425}" type="datetimeFigureOut">
               <a:rPr lang="en-US" smtClean="0"/>
-              <a:t>2/18/2022</a:t>
+              <a:t>2/21/2022</a:t>
             </a:fld>
             <a:endParaRPr lang="en-US"/>
           </a:p>
@@ -2912,7 +2912,7 @@
           <a:p>
             <a:fld id="{850429CE-E1C8-4940-9903-88A64945F425}" type="datetimeFigureOut">
               <a:rPr lang="en-US" smtClean="0"/>
-              <a:t>2/18/2022</a:t>
+              <a:t>2/21/2022</a:t>
             </a:fld>
             <a:endParaRPr lang="en-US"/>
           </a:p>
@@ -4886,14 +4886,14 @@
             <p:ph idx="1"/>
             <p:extLst>
               <p:ext uri="{D42A27DB-BD31-4B8C-83A1-F6EECF244321}">
-                <p14:modId xmlns:p14="http://schemas.microsoft.com/office/powerpoint/2010/main" val="2858215231"/>
+                <p14:modId xmlns:p14="http://schemas.microsoft.com/office/powerpoint/2010/main" val="3300252757"/>
               </p:ext>
             </p:extLst>
           </p:nvPr>
         </p:nvGraphicFramePr>
         <p:xfrm>
           <a:off x="518160" y="2502455"/>
-          <a:ext cx="11348720" cy="3175000"/>
+          <a:ext cx="11348720" cy="3169920"/>
         </p:xfrm>
         <a:graphic>
           <a:graphicData uri="http://schemas.openxmlformats.org/drawingml/2006/table">
@@ -5082,7 +5082,7 @@
                   </a:ext>
                 </a:extLst>
               </a:tr>
-              <a:tr h="370840">
+              <a:tr h="332185">
                 <a:tc>
                   <a:txBody>
                     <a:bodyPr/>

--- a/TemporalPPT.pptx
+++ b/TemporalPPT.pptx
@@ -262,7 +262,7 @@
           <a:p>
             <a:fld id="{850429CE-E1C8-4940-9903-88A64945F425}" type="datetimeFigureOut">
               <a:rPr lang="en-US" smtClean="0"/>
-              <a:t>2/21/2022</a:t>
+              <a:t>2/23/2022</a:t>
             </a:fld>
             <a:endParaRPr lang="en-US"/>
           </a:p>
@@ -460,7 +460,7 @@
           <a:p>
             <a:fld id="{850429CE-E1C8-4940-9903-88A64945F425}" type="datetimeFigureOut">
               <a:rPr lang="en-US" smtClean="0"/>
-              <a:t>2/21/2022</a:t>
+              <a:t>2/23/2022</a:t>
             </a:fld>
             <a:endParaRPr lang="en-US"/>
           </a:p>
@@ -668,7 +668,7 @@
           <a:p>
             <a:fld id="{850429CE-E1C8-4940-9903-88A64945F425}" type="datetimeFigureOut">
               <a:rPr lang="en-US" smtClean="0"/>
-              <a:t>2/21/2022</a:t>
+              <a:t>2/23/2022</a:t>
             </a:fld>
             <a:endParaRPr lang="en-US"/>
           </a:p>
@@ -866,7 +866,7 @@
           <a:p>
             <a:fld id="{850429CE-E1C8-4940-9903-88A64945F425}" type="datetimeFigureOut">
               <a:rPr lang="en-US" smtClean="0"/>
-              <a:t>2/21/2022</a:t>
+              <a:t>2/23/2022</a:t>
             </a:fld>
             <a:endParaRPr lang="en-US"/>
           </a:p>
@@ -1141,7 +1141,7 @@
           <a:p>
             <a:fld id="{850429CE-E1C8-4940-9903-88A64945F425}" type="datetimeFigureOut">
               <a:rPr lang="en-US" smtClean="0"/>
-              <a:t>2/21/2022</a:t>
+              <a:t>2/23/2022</a:t>
             </a:fld>
             <a:endParaRPr lang="en-US"/>
           </a:p>
@@ -1406,7 +1406,7 @@
           <a:p>
             <a:fld id="{850429CE-E1C8-4940-9903-88A64945F425}" type="datetimeFigureOut">
               <a:rPr lang="en-US" smtClean="0"/>
-              <a:t>2/21/2022</a:t>
+              <a:t>2/23/2022</a:t>
             </a:fld>
             <a:endParaRPr lang="en-US"/>
           </a:p>
@@ -1818,7 +1818,7 @@
           <a:p>
             <a:fld id="{850429CE-E1C8-4940-9903-88A64945F425}" type="datetimeFigureOut">
               <a:rPr lang="en-US" smtClean="0"/>
-              <a:t>2/21/2022</a:t>
+              <a:t>2/23/2022</a:t>
             </a:fld>
             <a:endParaRPr lang="en-US"/>
           </a:p>
@@ -1959,7 +1959,7 @@
           <a:p>
             <a:fld id="{850429CE-E1C8-4940-9903-88A64945F425}" type="datetimeFigureOut">
               <a:rPr lang="en-US" smtClean="0"/>
-              <a:t>2/21/2022</a:t>
+              <a:t>2/23/2022</a:t>
             </a:fld>
             <a:endParaRPr lang="en-US"/>
           </a:p>
@@ -2072,7 +2072,7 @@
           <a:p>
             <a:fld id="{850429CE-E1C8-4940-9903-88A64945F425}" type="datetimeFigureOut">
               <a:rPr lang="en-US" smtClean="0"/>
-              <a:t>2/21/2022</a:t>
+              <a:t>2/23/2022</a:t>
             </a:fld>
             <a:endParaRPr lang="en-US"/>
           </a:p>
@@ -2383,7 +2383,7 @@
           <a:p>
             <a:fld id="{850429CE-E1C8-4940-9903-88A64945F425}" type="datetimeFigureOut">
               <a:rPr lang="en-US" smtClean="0"/>
-              <a:t>2/21/2022</a:t>
+              <a:t>2/23/2022</a:t>
             </a:fld>
             <a:endParaRPr lang="en-US"/>
           </a:p>
@@ -2671,7 +2671,7 @@
           <a:p>
             <a:fld id="{850429CE-E1C8-4940-9903-88A64945F425}" type="datetimeFigureOut">
               <a:rPr lang="en-US" smtClean="0"/>
-              <a:t>2/21/2022</a:t>
+              <a:t>2/23/2022</a:t>
             </a:fld>
             <a:endParaRPr lang="en-US"/>
           </a:p>
@@ -2912,7 +2912,7 @@
           <a:p>
             <a:fld id="{850429CE-E1C8-4940-9903-88A64945F425}" type="datetimeFigureOut">
               <a:rPr lang="en-US" smtClean="0"/>
-              <a:t>2/21/2022</a:t>
+              <a:t>2/23/2022</a:t>
             </a:fld>
             <a:endParaRPr lang="en-US"/>
           </a:p>
@@ -3347,12 +3347,21 @@
         </p:nvSpPr>
         <p:spPr/>
         <p:txBody>
-          <a:bodyPr/>
+          <a:bodyPr>
+            <a:normAutofit/>
+          </a:bodyPr>
           <a:lstStyle/>
           <a:p>
             <a:r>
-              <a:rPr lang="en-US" dirty="0"/>
+              <a:rPr lang="en-US" sz="3600" dirty="0"/>
               <a:t>Temporal Performance Testing(Single Pod)</a:t>
+            </a:r>
+            <a:br>
+              <a:rPr lang="en-US" sz="3600" dirty="0"/>
+            </a:br>
+            <a:r>
+              <a:rPr lang="en-US" sz="3600" dirty="0"/>
+              <a:t>Workflow-1</a:t>
             </a:r>
           </a:p>
         </p:txBody>
@@ -4164,12 +4173,21 @@
         </p:nvSpPr>
         <p:spPr/>
         <p:txBody>
-          <a:bodyPr/>
+          <a:bodyPr>
+            <a:normAutofit/>
+          </a:bodyPr>
           <a:lstStyle/>
           <a:p>
             <a:r>
-              <a:rPr lang="en-US" dirty="0"/>
+              <a:rPr lang="en-US" sz="3600" dirty="0"/>
               <a:t>Temporal Performance Testing(Horizontal)</a:t>
+            </a:r>
+            <a:br>
+              <a:rPr lang="en-US" sz="3600" dirty="0"/>
+            </a:br>
+            <a:r>
+              <a:rPr lang="en-US" sz="3600" dirty="0"/>
+              <a:t>Workflow-1</a:t>
             </a:r>
           </a:p>
         </p:txBody>
@@ -4860,12 +4878,21 @@
         </p:nvSpPr>
         <p:spPr/>
         <p:txBody>
-          <a:bodyPr/>
+          <a:bodyPr>
+            <a:normAutofit/>
+          </a:bodyPr>
           <a:lstStyle/>
           <a:p>
             <a:r>
-              <a:rPr lang="en-US" dirty="0"/>
+              <a:rPr lang="en-US" sz="3600" dirty="0"/>
               <a:t>Temporal Performance Testing(Horizontal)</a:t>
+            </a:r>
+            <a:br>
+              <a:rPr lang="en-US" sz="3600" dirty="0"/>
+            </a:br>
+            <a:r>
+              <a:rPr lang="en-US" sz="3600" dirty="0"/>
+              <a:t>Workflow-1</a:t>
             </a:r>
           </a:p>
         </p:txBody>
@@ -5805,7 +5832,7 @@
         </p:nvSpPr>
         <p:spPr>
           <a:xfrm>
-            <a:off x="1158240" y="1542573"/>
+            <a:off x="906780" y="1690688"/>
             <a:ext cx="10378440" cy="369332"/>
           </a:xfrm>
           <a:prstGeom prst="rect">
@@ -5902,7 +5929,7 @@
             <p:ph idx="1"/>
             <p:extLst>
               <p:ext uri="{D42A27DB-BD31-4B8C-83A1-F6EECF244321}">
-                <p14:modId xmlns:p14="http://schemas.microsoft.com/office/powerpoint/2010/main" val="827070786"/>
+                <p14:modId xmlns:p14="http://schemas.microsoft.com/office/powerpoint/2010/main" val="977901551"/>
               </p:ext>
             </p:extLst>
           </p:nvPr>
@@ -6049,47 +6076,62 @@
                     <a:bodyPr/>
                     <a:lstStyle/>
                     <a:p>
-                      <a:endParaRPr lang="en-US"/>
-                    </a:p>
-                  </a:txBody>
-                  <a:tcPr/>
-                </a:tc>
-                <a:tc>
-                  <a:txBody>
-                    <a:bodyPr/>
-                    <a:lstStyle/>
-                    <a:p>
-                      <a:endParaRPr lang="en-US"/>
-                    </a:p>
-                  </a:txBody>
-                  <a:tcPr/>
-                </a:tc>
-                <a:tc>
-                  <a:txBody>
-                    <a:bodyPr/>
-                    <a:lstStyle/>
-                    <a:p>
-                      <a:endParaRPr lang="en-US"/>
-                    </a:p>
-                  </a:txBody>
-                  <a:tcPr/>
-                </a:tc>
-                <a:tc>
-                  <a:txBody>
-                    <a:bodyPr/>
-                    <a:lstStyle/>
-                    <a:p>
-                      <a:endParaRPr lang="en-US"/>
-                    </a:p>
-                  </a:txBody>
-                  <a:tcPr/>
-                </a:tc>
-                <a:tc>
-                  <a:txBody>
-                    <a:bodyPr/>
-                    <a:lstStyle/>
-                    <a:p>
-                      <a:endParaRPr lang="en-US"/>
+                      <a:r>
+                        <a:rPr lang="en-US" dirty="0"/>
+                        <a:t>100</a:t>
+                      </a:r>
+                    </a:p>
+                  </a:txBody>
+                  <a:tcPr/>
+                </a:tc>
+                <a:tc>
+                  <a:txBody>
+                    <a:bodyPr/>
+                    <a:lstStyle/>
+                    <a:p>
+                      <a:r>
+                        <a:rPr lang="en-US" dirty="0"/>
+                        <a:t>142</a:t>
+                      </a:r>
+                    </a:p>
+                  </a:txBody>
+                  <a:tcPr/>
+                </a:tc>
+                <a:tc>
+                  <a:txBody>
+                    <a:bodyPr/>
+                    <a:lstStyle/>
+                    <a:p>
+                      <a:r>
+                        <a:rPr lang="en-US" dirty="0"/>
+                        <a:t>1.7/s</a:t>
+                      </a:r>
+                    </a:p>
+                  </a:txBody>
+                  <a:tcPr/>
+                </a:tc>
+                <a:tc>
+                  <a:txBody>
+                    <a:bodyPr/>
+                    <a:lstStyle/>
+                    <a:p>
+                      <a:r>
+                        <a:rPr lang="en-US" dirty="0"/>
+                        <a:t>108</a:t>
+                      </a:r>
+                    </a:p>
+                  </a:txBody>
+                  <a:tcPr/>
+                </a:tc>
+                <a:tc>
+                  <a:txBody>
+                    <a:bodyPr/>
+                    <a:lstStyle/>
+                    <a:p>
+                      <a:r>
+                        <a:rPr lang="en-US" dirty="0"/>
+                        <a:t>838</a:t>
+                      </a:r>
                     </a:p>
                   </a:txBody>
                   <a:tcPr/>
@@ -6116,57 +6158,72 @@
                     <a:bodyPr/>
                     <a:lstStyle/>
                     <a:p>
-                      <a:endParaRPr lang="en-US"/>
-                    </a:p>
-                  </a:txBody>
-                  <a:tcPr/>
-                </a:tc>
-                <a:tc>
-                  <a:txBody>
-                    <a:bodyPr/>
-                    <a:lstStyle/>
-                    <a:p>
-                      <a:endParaRPr lang="en-US"/>
-                    </a:p>
-                  </a:txBody>
-                  <a:tcPr/>
-                </a:tc>
-                <a:tc>
-                  <a:txBody>
-                    <a:bodyPr/>
-                    <a:lstStyle/>
-                    <a:p>
-                      <a:endParaRPr lang="en-US"/>
-                    </a:p>
-                  </a:txBody>
-                  <a:tcPr/>
-                </a:tc>
-                <a:tc>
-                  <a:txBody>
-                    <a:bodyPr/>
-                    <a:lstStyle/>
-                    <a:p>
-                      <a:endParaRPr lang="en-US"/>
-                    </a:p>
-                  </a:txBody>
-                  <a:tcPr/>
-                </a:tc>
-                <a:tc>
-                  <a:txBody>
-                    <a:bodyPr/>
-                    <a:lstStyle/>
-                    <a:p>
-                      <a:endParaRPr lang="en-US"/>
-                    </a:p>
-                  </a:txBody>
-                  <a:tcPr/>
-                </a:tc>
-                <a:tc>
-                  <a:txBody>
-                    <a:bodyPr/>
-                    <a:lstStyle/>
-                    <a:p>
-                      <a:endParaRPr lang="en-US"/>
+                      <a:r>
+                        <a:rPr lang="en-US" dirty="0"/>
+                        <a:t>500</a:t>
+                      </a:r>
+                    </a:p>
+                  </a:txBody>
+                  <a:tcPr/>
+                </a:tc>
+                <a:tc>
+                  <a:txBody>
+                    <a:bodyPr/>
+                    <a:lstStyle/>
+                    <a:p>
+                      <a:r>
+                        <a:rPr lang="en-US" dirty="0"/>
+                        <a:t>120</a:t>
+                      </a:r>
+                    </a:p>
+                  </a:txBody>
+                  <a:tcPr/>
+                </a:tc>
+                <a:tc>
+                  <a:txBody>
+                    <a:bodyPr/>
+                    <a:lstStyle/>
+                    <a:p>
+                      <a:r>
+                        <a:rPr lang="en-US" dirty="0"/>
+                        <a:t>8.3/s</a:t>
+                      </a:r>
+                    </a:p>
+                  </a:txBody>
+                  <a:tcPr/>
+                </a:tc>
+                <a:tc>
+                  <a:txBody>
+                    <a:bodyPr/>
+                    <a:lstStyle/>
+                    <a:p>
+                      <a:r>
+                        <a:rPr lang="en-US" dirty="0"/>
+                        <a:t>95</a:t>
+                      </a:r>
+                    </a:p>
+                  </a:txBody>
+                  <a:tcPr/>
+                </a:tc>
+                <a:tc>
+                  <a:txBody>
+                    <a:bodyPr/>
+                    <a:lstStyle/>
+                    <a:p>
+                      <a:r>
+                        <a:rPr lang="en-US" dirty="0"/>
+                        <a:t>230</a:t>
+                      </a:r>
+                    </a:p>
+                  </a:txBody>
+                  <a:tcPr/>
+                </a:tc>
+                <a:tc>
+                  <a:txBody>
+                    <a:bodyPr/>
+                    <a:lstStyle/>
+                    <a:p>
+                      <a:endParaRPr lang="en-US" dirty="0"/>
                     </a:p>
                   </a:txBody>
                   <a:tcPr/>
@@ -6183,47 +6240,62 @@
                     <a:bodyPr/>
                     <a:lstStyle/>
                     <a:p>
-                      <a:endParaRPr lang="en-US"/>
-                    </a:p>
-                  </a:txBody>
-                  <a:tcPr/>
-                </a:tc>
-                <a:tc>
-                  <a:txBody>
-                    <a:bodyPr/>
-                    <a:lstStyle/>
-                    <a:p>
-                      <a:endParaRPr lang="en-US"/>
-                    </a:p>
-                  </a:txBody>
-                  <a:tcPr/>
-                </a:tc>
-                <a:tc>
-                  <a:txBody>
-                    <a:bodyPr/>
-                    <a:lstStyle/>
-                    <a:p>
-                      <a:endParaRPr lang="en-US"/>
-                    </a:p>
-                  </a:txBody>
-                  <a:tcPr/>
-                </a:tc>
-                <a:tc>
-                  <a:txBody>
-                    <a:bodyPr/>
-                    <a:lstStyle/>
-                    <a:p>
-                      <a:endParaRPr lang="en-US"/>
-                    </a:p>
-                  </a:txBody>
-                  <a:tcPr/>
-                </a:tc>
-                <a:tc>
-                  <a:txBody>
-                    <a:bodyPr/>
-                    <a:lstStyle/>
-                    <a:p>
-                      <a:endParaRPr lang="en-US"/>
+                      <a:r>
+                        <a:rPr lang="en-US" dirty="0"/>
+                        <a:t>2000</a:t>
+                      </a:r>
+                    </a:p>
+                  </a:txBody>
+                  <a:tcPr/>
+                </a:tc>
+                <a:tc>
+                  <a:txBody>
+                    <a:bodyPr/>
+                    <a:lstStyle/>
+                    <a:p>
+                      <a:r>
+                        <a:rPr lang="en-US" dirty="0"/>
+                        <a:t>118</a:t>
+                      </a:r>
+                    </a:p>
+                  </a:txBody>
+                  <a:tcPr/>
+                </a:tc>
+                <a:tc>
+                  <a:txBody>
+                    <a:bodyPr/>
+                    <a:lstStyle/>
+                    <a:p>
+                      <a:r>
+                        <a:rPr lang="en-US" dirty="0"/>
+                        <a:t>33.3/s</a:t>
+                      </a:r>
+                    </a:p>
+                  </a:txBody>
+                  <a:tcPr/>
+                </a:tc>
+                <a:tc>
+                  <a:txBody>
+                    <a:bodyPr/>
+                    <a:lstStyle/>
+                    <a:p>
+                      <a:r>
+                        <a:rPr lang="en-US" dirty="0"/>
+                        <a:t>74</a:t>
+                      </a:r>
+                    </a:p>
+                  </a:txBody>
+                  <a:tcPr/>
+                </a:tc>
+                <a:tc>
+                  <a:txBody>
+                    <a:bodyPr/>
+                    <a:lstStyle/>
+                    <a:p>
+                      <a:r>
+                        <a:rPr lang="en-US" dirty="0"/>
+                        <a:t>407</a:t>
+                      </a:r>
                     </a:p>
                   </a:txBody>
                   <a:tcPr/>
@@ -6250,57 +6322,72 @@
                     <a:bodyPr/>
                     <a:lstStyle/>
                     <a:p>
-                      <a:endParaRPr lang="en-US"/>
-                    </a:p>
-                  </a:txBody>
-                  <a:tcPr/>
-                </a:tc>
-                <a:tc>
-                  <a:txBody>
-                    <a:bodyPr/>
-                    <a:lstStyle/>
-                    <a:p>
-                      <a:endParaRPr lang="en-US"/>
-                    </a:p>
-                  </a:txBody>
-                  <a:tcPr/>
-                </a:tc>
-                <a:tc>
-                  <a:txBody>
-                    <a:bodyPr/>
-                    <a:lstStyle/>
-                    <a:p>
-                      <a:endParaRPr lang="en-US"/>
-                    </a:p>
-                  </a:txBody>
-                  <a:tcPr/>
-                </a:tc>
-                <a:tc>
-                  <a:txBody>
-                    <a:bodyPr/>
-                    <a:lstStyle/>
-                    <a:p>
-                      <a:endParaRPr lang="en-US"/>
-                    </a:p>
-                  </a:txBody>
-                  <a:tcPr/>
-                </a:tc>
-                <a:tc>
-                  <a:txBody>
-                    <a:bodyPr/>
-                    <a:lstStyle/>
-                    <a:p>
-                      <a:endParaRPr lang="en-US"/>
-                    </a:p>
-                  </a:txBody>
-                  <a:tcPr/>
-                </a:tc>
-                <a:tc>
-                  <a:txBody>
-                    <a:bodyPr/>
-                    <a:lstStyle/>
-                    <a:p>
-                      <a:endParaRPr lang="en-US"/>
+                      <a:r>
+                        <a:rPr lang="en-US" dirty="0"/>
+                        <a:t>5000</a:t>
+                      </a:r>
+                    </a:p>
+                  </a:txBody>
+                  <a:tcPr/>
+                </a:tc>
+                <a:tc>
+                  <a:txBody>
+                    <a:bodyPr/>
+                    <a:lstStyle/>
+                    <a:p>
+                      <a:r>
+                        <a:rPr lang="en-US" dirty="0"/>
+                        <a:t>1364</a:t>
+                      </a:r>
+                    </a:p>
+                  </a:txBody>
+                  <a:tcPr/>
+                </a:tc>
+                <a:tc>
+                  <a:txBody>
+                    <a:bodyPr/>
+                    <a:lstStyle/>
+                    <a:p>
+                      <a:r>
+                        <a:rPr lang="en-US" dirty="0"/>
+                        <a:t>71.4/s</a:t>
+                      </a:r>
+                    </a:p>
+                  </a:txBody>
+                  <a:tcPr/>
+                </a:tc>
+                <a:tc>
+                  <a:txBody>
+                    <a:bodyPr/>
+                    <a:lstStyle/>
+                    <a:p>
+                      <a:r>
+                        <a:rPr lang="en-US" dirty="0"/>
+                        <a:t>121</a:t>
+                      </a:r>
+                    </a:p>
+                  </a:txBody>
+                  <a:tcPr/>
+                </a:tc>
+                <a:tc>
+                  <a:txBody>
+                    <a:bodyPr/>
+                    <a:lstStyle/>
+                    <a:p>
+                      <a:r>
+                        <a:rPr lang="en-US" dirty="0"/>
+                        <a:t>10,042</a:t>
+                      </a:r>
+                    </a:p>
+                  </a:txBody>
+                  <a:tcPr/>
+                </a:tc>
+                <a:tc>
+                  <a:txBody>
+                    <a:bodyPr/>
+                    <a:lstStyle/>
+                    <a:p>
+                      <a:endParaRPr lang="en-US" dirty="0"/>
                     </a:p>
                   </a:txBody>
                   <a:tcPr/>
@@ -6317,6 +6404,16 @@
                     <a:bodyPr/>
                     <a:lstStyle/>
                     <a:p>
+                      <a:endParaRPr lang="en-US" dirty="0"/>
+                    </a:p>
+                  </a:txBody>
+                  <a:tcPr/>
+                </a:tc>
+                <a:tc>
+                  <a:txBody>
+                    <a:bodyPr/>
+                    <a:lstStyle/>
+                    <a:p>
                       <a:endParaRPr lang="en-US"/>
                     </a:p>
                   </a:txBody>
@@ -6327,17 +6424,7 @@
                     <a:bodyPr/>
                     <a:lstStyle/>
                     <a:p>
-                      <a:endParaRPr lang="en-US"/>
-                    </a:p>
-                  </a:txBody>
-                  <a:tcPr/>
-                </a:tc>
-                <a:tc>
-                  <a:txBody>
-                    <a:bodyPr/>
-                    <a:lstStyle/>
-                    <a:p>
-                      <a:endParaRPr lang="en-US"/>
+                      <a:endParaRPr lang="en-US" dirty="0"/>
                     </a:p>
                   </a:txBody>
                   <a:tcPr/>

--- a/TemporalPPT.pptx
+++ b/TemporalPPT.pptx
@@ -9,6 +9,7 @@
     <p:sldId id="258" r:id="rId3"/>
     <p:sldId id="259" r:id="rId4"/>
     <p:sldId id="260" r:id="rId5"/>
+    <p:sldId id="261" r:id="rId6"/>
   </p:sldIdLst>
   <p:sldSz cx="12192000" cy="6858000"/>
   <p:notesSz cx="6858000" cy="9144000"/>
@@ -262,7 +263,7 @@
           <a:p>
             <a:fld id="{850429CE-E1C8-4940-9903-88A64945F425}" type="datetimeFigureOut">
               <a:rPr lang="en-US" smtClean="0"/>
-              <a:t>2/23/2022</a:t>
+              <a:t>2/24/2022</a:t>
             </a:fld>
             <a:endParaRPr lang="en-US"/>
           </a:p>
@@ -460,7 +461,7 @@
           <a:p>
             <a:fld id="{850429CE-E1C8-4940-9903-88A64945F425}" type="datetimeFigureOut">
               <a:rPr lang="en-US" smtClean="0"/>
-              <a:t>2/23/2022</a:t>
+              <a:t>2/24/2022</a:t>
             </a:fld>
             <a:endParaRPr lang="en-US"/>
           </a:p>
@@ -668,7 +669,7 @@
           <a:p>
             <a:fld id="{850429CE-E1C8-4940-9903-88A64945F425}" type="datetimeFigureOut">
               <a:rPr lang="en-US" smtClean="0"/>
-              <a:t>2/23/2022</a:t>
+              <a:t>2/24/2022</a:t>
             </a:fld>
             <a:endParaRPr lang="en-US"/>
           </a:p>
@@ -866,7 +867,7 @@
           <a:p>
             <a:fld id="{850429CE-E1C8-4940-9903-88A64945F425}" type="datetimeFigureOut">
               <a:rPr lang="en-US" smtClean="0"/>
-              <a:t>2/23/2022</a:t>
+              <a:t>2/24/2022</a:t>
             </a:fld>
             <a:endParaRPr lang="en-US"/>
           </a:p>
@@ -1141,7 +1142,7 @@
           <a:p>
             <a:fld id="{850429CE-E1C8-4940-9903-88A64945F425}" type="datetimeFigureOut">
               <a:rPr lang="en-US" smtClean="0"/>
-              <a:t>2/23/2022</a:t>
+              <a:t>2/24/2022</a:t>
             </a:fld>
             <a:endParaRPr lang="en-US"/>
           </a:p>
@@ -1406,7 +1407,7 @@
           <a:p>
             <a:fld id="{850429CE-E1C8-4940-9903-88A64945F425}" type="datetimeFigureOut">
               <a:rPr lang="en-US" smtClean="0"/>
-              <a:t>2/23/2022</a:t>
+              <a:t>2/24/2022</a:t>
             </a:fld>
             <a:endParaRPr lang="en-US"/>
           </a:p>
@@ -1818,7 +1819,7 @@
           <a:p>
             <a:fld id="{850429CE-E1C8-4940-9903-88A64945F425}" type="datetimeFigureOut">
               <a:rPr lang="en-US" smtClean="0"/>
-              <a:t>2/23/2022</a:t>
+              <a:t>2/24/2022</a:t>
             </a:fld>
             <a:endParaRPr lang="en-US"/>
           </a:p>
@@ -1959,7 +1960,7 @@
           <a:p>
             <a:fld id="{850429CE-E1C8-4940-9903-88A64945F425}" type="datetimeFigureOut">
               <a:rPr lang="en-US" smtClean="0"/>
-              <a:t>2/23/2022</a:t>
+              <a:t>2/24/2022</a:t>
             </a:fld>
             <a:endParaRPr lang="en-US"/>
           </a:p>
@@ -2072,7 +2073,7 @@
           <a:p>
             <a:fld id="{850429CE-E1C8-4940-9903-88A64945F425}" type="datetimeFigureOut">
               <a:rPr lang="en-US" smtClean="0"/>
-              <a:t>2/23/2022</a:t>
+              <a:t>2/24/2022</a:t>
             </a:fld>
             <a:endParaRPr lang="en-US"/>
           </a:p>
@@ -2383,7 +2384,7 @@
           <a:p>
             <a:fld id="{850429CE-E1C8-4940-9903-88A64945F425}" type="datetimeFigureOut">
               <a:rPr lang="en-US" smtClean="0"/>
-              <a:t>2/23/2022</a:t>
+              <a:t>2/24/2022</a:t>
             </a:fld>
             <a:endParaRPr lang="en-US"/>
           </a:p>
@@ -2671,7 +2672,7 @@
           <a:p>
             <a:fld id="{850429CE-E1C8-4940-9903-88A64945F425}" type="datetimeFigureOut">
               <a:rPr lang="en-US" smtClean="0"/>
-              <a:t>2/23/2022</a:t>
+              <a:t>2/24/2022</a:t>
             </a:fld>
             <a:endParaRPr lang="en-US"/>
           </a:p>
@@ -2912,7 +2913,7 @@
           <a:p>
             <a:fld id="{850429CE-E1C8-4940-9903-88A64945F425}" type="datetimeFigureOut">
               <a:rPr lang="en-US" smtClean="0"/>
-              <a:t>2/23/2022</a:t>
+              <a:t>2/24/2022</a:t>
             </a:fld>
             <a:endParaRPr lang="en-US"/>
           </a:p>
@@ -5832,7 +5833,7 @@
         </p:nvSpPr>
         <p:spPr>
           <a:xfrm>
-            <a:off x="906780" y="1690688"/>
+            <a:off x="906780" y="1721168"/>
             <a:ext cx="10378440" cy="369332"/>
           </a:xfrm>
           <a:prstGeom prst="rect">
@@ -6059,7 +6060,7 @@
                     <a:bodyPr/>
                     <a:lstStyle/>
                     <a:p>
-                      <a:endParaRPr lang="en-US"/>
+                      <a:endParaRPr lang="en-US" dirty="0"/>
                     </a:p>
                   </a:txBody>
                   <a:tcPr/>
@@ -6141,7 +6142,7 @@
                     <a:bodyPr/>
                     <a:lstStyle/>
                     <a:p>
-                      <a:endParaRPr lang="en-US"/>
+                      <a:endParaRPr lang="en-US" dirty="0"/>
                     </a:p>
                   </a:txBody>
                   <a:tcPr/>
@@ -6305,7 +6306,7 @@
                     <a:bodyPr/>
                     <a:lstStyle/>
                     <a:p>
-                      <a:endParaRPr lang="en-US"/>
+                      <a:endParaRPr lang="en-US" dirty="0"/>
                     </a:p>
                   </a:txBody>
                   <a:tcPr/>
@@ -6454,7 +6455,7 @@
                     <a:bodyPr/>
                     <a:lstStyle/>
                     <a:p>
-                      <a:endParaRPr lang="en-US"/>
+                      <a:endParaRPr lang="en-US" dirty="0"/>
                     </a:p>
                   </a:txBody>
                   <a:tcPr/>
@@ -6607,6 +6608,560 @@
     <p:extLst>
       <p:ext uri="{BB962C8B-B14F-4D97-AF65-F5344CB8AC3E}">
         <p14:creationId xmlns:p14="http://schemas.microsoft.com/office/powerpoint/2010/main" val="586884480"/>
+      </p:ext>
+    </p:extLst>
+  </p:cSld>
+  <p:clrMapOvr>
+    <a:masterClrMapping/>
+  </p:clrMapOvr>
+</p:sld>
+</file>
+
+<file path=ppt/slides/slide5.xml><?xml version="1.0" encoding="utf-8"?>
+<p:sld xmlns:a="http://schemas.openxmlformats.org/drawingml/2006/main" xmlns:r="http://schemas.openxmlformats.org/officeDocument/2006/relationships" xmlns:p="http://schemas.openxmlformats.org/presentationml/2006/main">
+  <p:cSld>
+    <p:spTree>
+      <p:nvGrpSpPr>
+        <p:cNvPr id="1" name=""/>
+        <p:cNvGrpSpPr/>
+        <p:nvPr/>
+      </p:nvGrpSpPr>
+      <p:grpSpPr>
+        <a:xfrm>
+          <a:off x="0" y="0"/>
+          <a:ext cx="0" cy="0"/>
+          <a:chOff x="0" y="0"/>
+          <a:chExt cx="0" cy="0"/>
+        </a:xfrm>
+      </p:grpSpPr>
+      <p:sp>
+        <p:nvSpPr>
+          <p:cNvPr id="2" name="Title 1">
+            <a:extLst>
+              <a:ext uri="{FF2B5EF4-FFF2-40B4-BE49-F238E27FC236}">
+                <a16:creationId xmlns:a16="http://schemas.microsoft.com/office/drawing/2014/main" id="{B897BEEE-B819-4D02-AE4C-2770B731695A}"/>
+              </a:ext>
+            </a:extLst>
+          </p:cNvPr>
+          <p:cNvSpPr>
+            <a:spLocks noGrp="1"/>
+          </p:cNvSpPr>
+          <p:nvPr>
+            <p:ph type="title"/>
+          </p:nvPr>
+        </p:nvSpPr>
+        <p:spPr/>
+        <p:txBody>
+          <a:bodyPr/>
+          <a:lstStyle/>
+          <a:p>
+            <a:endParaRPr lang="en-US"/>
+          </a:p>
+        </p:txBody>
+      </p:sp>
+      <p:graphicFrame>
+        <p:nvGraphicFramePr>
+          <p:cNvPr id="4" name="Table 4">
+            <a:extLst>
+              <a:ext uri="{FF2B5EF4-FFF2-40B4-BE49-F238E27FC236}">
+                <a16:creationId xmlns:a16="http://schemas.microsoft.com/office/drawing/2014/main" id="{B639FE26-CEBE-4F16-A0AF-335B0269BE82}"/>
+              </a:ext>
+            </a:extLst>
+          </p:cNvPr>
+          <p:cNvGraphicFramePr>
+            <a:graphicFrameLocks noGrp="1"/>
+          </p:cNvGraphicFramePr>
+          <p:nvPr>
+            <p:ph idx="1"/>
+            <p:extLst>
+              <p:ext uri="{D42A27DB-BD31-4B8C-83A1-F6EECF244321}">
+                <p14:modId xmlns:p14="http://schemas.microsoft.com/office/powerpoint/2010/main" val="647417004"/>
+              </p:ext>
+            </p:extLst>
+          </p:nvPr>
+        </p:nvGraphicFramePr>
+        <p:xfrm>
+          <a:off x="838200" y="1825625"/>
+          <a:ext cx="10515600" cy="2225040"/>
+        </p:xfrm>
+        <a:graphic>
+          <a:graphicData uri="http://schemas.openxmlformats.org/drawingml/2006/table">
+            <a:tbl>
+              <a:tblPr firstRow="1" bandRow="1">
+                <a:tableStyleId>{5C22544A-7EE6-4342-B048-85BDC9FD1C3A}</a:tableStyleId>
+              </a:tblPr>
+              <a:tblGrid>
+                <a:gridCol w="1752600">
+                  <a:extLst>
+                    <a:ext uri="{9D8B030D-6E8A-4147-A177-3AD203B41FA5}">
+                      <a16:colId xmlns:a16="http://schemas.microsoft.com/office/drawing/2014/main" val="906038624"/>
+                    </a:ext>
+                  </a:extLst>
+                </a:gridCol>
+                <a:gridCol w="1752600">
+                  <a:extLst>
+                    <a:ext uri="{9D8B030D-6E8A-4147-A177-3AD203B41FA5}">
+                      <a16:colId xmlns:a16="http://schemas.microsoft.com/office/drawing/2014/main" val="1333226999"/>
+                    </a:ext>
+                  </a:extLst>
+                </a:gridCol>
+                <a:gridCol w="1752600">
+                  <a:extLst>
+                    <a:ext uri="{9D8B030D-6E8A-4147-A177-3AD203B41FA5}">
+                      <a16:colId xmlns:a16="http://schemas.microsoft.com/office/drawing/2014/main" val="1777107030"/>
+                    </a:ext>
+                  </a:extLst>
+                </a:gridCol>
+                <a:gridCol w="1752600">
+                  <a:extLst>
+                    <a:ext uri="{9D8B030D-6E8A-4147-A177-3AD203B41FA5}">
+                      <a16:colId xmlns:a16="http://schemas.microsoft.com/office/drawing/2014/main" val="1607602002"/>
+                    </a:ext>
+                  </a:extLst>
+                </a:gridCol>
+                <a:gridCol w="1752600">
+                  <a:extLst>
+                    <a:ext uri="{9D8B030D-6E8A-4147-A177-3AD203B41FA5}">
+                      <a16:colId xmlns:a16="http://schemas.microsoft.com/office/drawing/2014/main" val="3824030423"/>
+                    </a:ext>
+                  </a:extLst>
+                </a:gridCol>
+                <a:gridCol w="1752600">
+                  <a:extLst>
+                    <a:ext uri="{9D8B030D-6E8A-4147-A177-3AD203B41FA5}">
+                      <a16:colId xmlns:a16="http://schemas.microsoft.com/office/drawing/2014/main" val="3937911197"/>
+                    </a:ext>
+                  </a:extLst>
+                </a:gridCol>
+              </a:tblGrid>
+              <a:tr h="370840">
+                <a:tc>
+                  <a:txBody>
+                    <a:bodyPr/>
+                    <a:lstStyle/>
+                    <a:p>
+                      <a:r>
+                        <a:rPr lang="en-US" sz="1600" dirty="0"/>
+                        <a:t>THREADS</a:t>
+                      </a:r>
+                    </a:p>
+                  </a:txBody>
+                  <a:tcPr/>
+                </a:tc>
+                <a:tc>
+                  <a:txBody>
+                    <a:bodyPr/>
+                    <a:lstStyle/>
+                    <a:p>
+                      <a:r>
+                        <a:rPr lang="en-US" sz="1600" dirty="0"/>
+                        <a:t>AVERAGE</a:t>
+                      </a:r>
+                    </a:p>
+                  </a:txBody>
+                  <a:tcPr/>
+                </a:tc>
+                <a:tc>
+                  <a:txBody>
+                    <a:bodyPr/>
+                    <a:lstStyle/>
+                    <a:p>
+                      <a:r>
+                        <a:rPr lang="en-US" sz="1600" dirty="0"/>
+                        <a:t>THROUGHPUT</a:t>
+                      </a:r>
+                    </a:p>
+                  </a:txBody>
+                  <a:tcPr/>
+                </a:tc>
+                <a:tc>
+                  <a:txBody>
+                    <a:bodyPr/>
+                    <a:lstStyle/>
+                    <a:p>
+                      <a:r>
+                        <a:rPr lang="en-US" sz="1600" dirty="0"/>
+                        <a:t>MIN</a:t>
+                      </a:r>
+                    </a:p>
+                  </a:txBody>
+                  <a:tcPr/>
+                </a:tc>
+                <a:tc>
+                  <a:txBody>
+                    <a:bodyPr/>
+                    <a:lstStyle/>
+                    <a:p>
+                      <a:r>
+                        <a:rPr lang="en-US" sz="1600" dirty="0"/>
+                        <a:t>MAX</a:t>
+                      </a:r>
+                    </a:p>
+                  </a:txBody>
+                  <a:tcPr/>
+                </a:tc>
+                <a:tc>
+                  <a:txBody>
+                    <a:bodyPr/>
+                    <a:lstStyle/>
+                    <a:p>
+                      <a:endParaRPr lang="en-US"/>
+                    </a:p>
+                  </a:txBody>
+                  <a:tcPr/>
+                </a:tc>
+                <a:extLst>
+                  <a:ext uri="{0D108BD9-81ED-4DB2-BD59-A6C34878D82A}">
+                    <a16:rowId xmlns:a16="http://schemas.microsoft.com/office/drawing/2014/main" val="1037365270"/>
+                  </a:ext>
+                </a:extLst>
+              </a:tr>
+              <a:tr h="370840">
+                <a:tc>
+                  <a:txBody>
+                    <a:bodyPr/>
+                    <a:lstStyle/>
+                    <a:p>
+                      <a:r>
+                        <a:rPr lang="en-US" dirty="0"/>
+                        <a:t>2000</a:t>
+                      </a:r>
+                    </a:p>
+                  </a:txBody>
+                  <a:tcPr/>
+                </a:tc>
+                <a:tc>
+                  <a:txBody>
+                    <a:bodyPr/>
+                    <a:lstStyle/>
+                    <a:p>
+                      <a:endParaRPr lang="en-US"/>
+                    </a:p>
+                  </a:txBody>
+                  <a:tcPr/>
+                </a:tc>
+                <a:tc>
+                  <a:txBody>
+                    <a:bodyPr/>
+                    <a:lstStyle/>
+                    <a:p>
+                      <a:endParaRPr lang="en-US"/>
+                    </a:p>
+                  </a:txBody>
+                  <a:tcPr/>
+                </a:tc>
+                <a:tc>
+                  <a:txBody>
+                    <a:bodyPr/>
+                    <a:lstStyle/>
+                    <a:p>
+                      <a:endParaRPr lang="en-US"/>
+                    </a:p>
+                  </a:txBody>
+                  <a:tcPr/>
+                </a:tc>
+                <a:tc>
+                  <a:txBody>
+                    <a:bodyPr/>
+                    <a:lstStyle/>
+                    <a:p>
+                      <a:endParaRPr lang="en-US"/>
+                    </a:p>
+                  </a:txBody>
+                  <a:tcPr/>
+                </a:tc>
+                <a:tc>
+                  <a:txBody>
+                    <a:bodyPr/>
+                    <a:lstStyle/>
+                    <a:p>
+                      <a:endParaRPr lang="en-US"/>
+                    </a:p>
+                  </a:txBody>
+                  <a:tcPr/>
+                </a:tc>
+                <a:extLst>
+                  <a:ext uri="{0D108BD9-81ED-4DB2-BD59-A6C34878D82A}">
+                    <a16:rowId xmlns:a16="http://schemas.microsoft.com/office/drawing/2014/main" val="296368034"/>
+                  </a:ext>
+                </a:extLst>
+              </a:tr>
+              <a:tr h="370840">
+                <a:tc>
+                  <a:txBody>
+                    <a:bodyPr/>
+                    <a:lstStyle/>
+                    <a:p>
+                      <a:endParaRPr lang="en-US"/>
+                    </a:p>
+                  </a:txBody>
+                  <a:tcPr/>
+                </a:tc>
+                <a:tc>
+                  <a:txBody>
+                    <a:bodyPr/>
+                    <a:lstStyle/>
+                    <a:p>
+                      <a:endParaRPr lang="en-US"/>
+                    </a:p>
+                  </a:txBody>
+                  <a:tcPr/>
+                </a:tc>
+                <a:tc>
+                  <a:txBody>
+                    <a:bodyPr/>
+                    <a:lstStyle/>
+                    <a:p>
+                      <a:endParaRPr lang="en-US"/>
+                    </a:p>
+                  </a:txBody>
+                  <a:tcPr/>
+                </a:tc>
+                <a:tc>
+                  <a:txBody>
+                    <a:bodyPr/>
+                    <a:lstStyle/>
+                    <a:p>
+                      <a:endParaRPr lang="en-US"/>
+                    </a:p>
+                  </a:txBody>
+                  <a:tcPr/>
+                </a:tc>
+                <a:tc>
+                  <a:txBody>
+                    <a:bodyPr/>
+                    <a:lstStyle/>
+                    <a:p>
+                      <a:endParaRPr lang="en-US"/>
+                    </a:p>
+                  </a:txBody>
+                  <a:tcPr/>
+                </a:tc>
+                <a:tc>
+                  <a:txBody>
+                    <a:bodyPr/>
+                    <a:lstStyle/>
+                    <a:p>
+                      <a:endParaRPr lang="en-US"/>
+                    </a:p>
+                  </a:txBody>
+                  <a:tcPr/>
+                </a:tc>
+                <a:extLst>
+                  <a:ext uri="{0D108BD9-81ED-4DB2-BD59-A6C34878D82A}">
+                    <a16:rowId xmlns:a16="http://schemas.microsoft.com/office/drawing/2014/main" val="897758913"/>
+                  </a:ext>
+                </a:extLst>
+              </a:tr>
+              <a:tr h="370840">
+                <a:tc>
+                  <a:txBody>
+                    <a:bodyPr/>
+                    <a:lstStyle/>
+                    <a:p>
+                      <a:endParaRPr lang="en-US"/>
+                    </a:p>
+                  </a:txBody>
+                  <a:tcPr/>
+                </a:tc>
+                <a:tc>
+                  <a:txBody>
+                    <a:bodyPr/>
+                    <a:lstStyle/>
+                    <a:p>
+                      <a:endParaRPr lang="en-US"/>
+                    </a:p>
+                  </a:txBody>
+                  <a:tcPr/>
+                </a:tc>
+                <a:tc>
+                  <a:txBody>
+                    <a:bodyPr/>
+                    <a:lstStyle/>
+                    <a:p>
+                      <a:endParaRPr lang="en-US"/>
+                    </a:p>
+                  </a:txBody>
+                  <a:tcPr/>
+                </a:tc>
+                <a:tc>
+                  <a:txBody>
+                    <a:bodyPr/>
+                    <a:lstStyle/>
+                    <a:p>
+                      <a:endParaRPr lang="en-US"/>
+                    </a:p>
+                  </a:txBody>
+                  <a:tcPr/>
+                </a:tc>
+                <a:tc>
+                  <a:txBody>
+                    <a:bodyPr/>
+                    <a:lstStyle/>
+                    <a:p>
+                      <a:endParaRPr lang="en-US"/>
+                    </a:p>
+                  </a:txBody>
+                  <a:tcPr/>
+                </a:tc>
+                <a:tc>
+                  <a:txBody>
+                    <a:bodyPr/>
+                    <a:lstStyle/>
+                    <a:p>
+                      <a:endParaRPr lang="en-US"/>
+                    </a:p>
+                  </a:txBody>
+                  <a:tcPr/>
+                </a:tc>
+                <a:extLst>
+                  <a:ext uri="{0D108BD9-81ED-4DB2-BD59-A6C34878D82A}">
+                    <a16:rowId xmlns:a16="http://schemas.microsoft.com/office/drawing/2014/main" val="824980431"/>
+                  </a:ext>
+                </a:extLst>
+              </a:tr>
+              <a:tr h="370840">
+                <a:tc>
+                  <a:txBody>
+                    <a:bodyPr/>
+                    <a:lstStyle/>
+                    <a:p>
+                      <a:endParaRPr lang="en-US"/>
+                    </a:p>
+                  </a:txBody>
+                  <a:tcPr/>
+                </a:tc>
+                <a:tc>
+                  <a:txBody>
+                    <a:bodyPr/>
+                    <a:lstStyle/>
+                    <a:p>
+                      <a:endParaRPr lang="en-US"/>
+                    </a:p>
+                  </a:txBody>
+                  <a:tcPr/>
+                </a:tc>
+                <a:tc>
+                  <a:txBody>
+                    <a:bodyPr/>
+                    <a:lstStyle/>
+                    <a:p>
+                      <a:endParaRPr lang="en-US"/>
+                    </a:p>
+                  </a:txBody>
+                  <a:tcPr/>
+                </a:tc>
+                <a:tc>
+                  <a:txBody>
+                    <a:bodyPr/>
+                    <a:lstStyle/>
+                    <a:p>
+                      <a:endParaRPr lang="en-US"/>
+                    </a:p>
+                  </a:txBody>
+                  <a:tcPr/>
+                </a:tc>
+                <a:tc>
+                  <a:txBody>
+                    <a:bodyPr/>
+                    <a:lstStyle/>
+                    <a:p>
+                      <a:endParaRPr lang="en-US"/>
+                    </a:p>
+                  </a:txBody>
+                  <a:tcPr/>
+                </a:tc>
+                <a:tc>
+                  <a:txBody>
+                    <a:bodyPr/>
+                    <a:lstStyle/>
+                    <a:p>
+                      <a:endParaRPr lang="en-US"/>
+                    </a:p>
+                  </a:txBody>
+                  <a:tcPr/>
+                </a:tc>
+                <a:extLst>
+                  <a:ext uri="{0D108BD9-81ED-4DB2-BD59-A6C34878D82A}">
+                    <a16:rowId xmlns:a16="http://schemas.microsoft.com/office/drawing/2014/main" val="1567335223"/>
+                  </a:ext>
+                </a:extLst>
+              </a:tr>
+              <a:tr h="370840">
+                <a:tc>
+                  <a:txBody>
+                    <a:bodyPr/>
+                    <a:lstStyle/>
+                    <a:p>
+                      <a:endParaRPr lang="en-US"/>
+                    </a:p>
+                  </a:txBody>
+                  <a:tcPr/>
+                </a:tc>
+                <a:tc>
+                  <a:txBody>
+                    <a:bodyPr/>
+                    <a:lstStyle/>
+                    <a:p>
+                      <a:endParaRPr lang="en-US"/>
+                    </a:p>
+                  </a:txBody>
+                  <a:tcPr/>
+                </a:tc>
+                <a:tc>
+                  <a:txBody>
+                    <a:bodyPr/>
+                    <a:lstStyle/>
+                    <a:p>
+                      <a:endParaRPr lang="en-US"/>
+                    </a:p>
+                  </a:txBody>
+                  <a:tcPr/>
+                </a:tc>
+                <a:tc>
+                  <a:txBody>
+                    <a:bodyPr/>
+                    <a:lstStyle/>
+                    <a:p>
+                      <a:endParaRPr lang="en-US"/>
+                    </a:p>
+                  </a:txBody>
+                  <a:tcPr/>
+                </a:tc>
+                <a:tc>
+                  <a:txBody>
+                    <a:bodyPr/>
+                    <a:lstStyle/>
+                    <a:p>
+                      <a:endParaRPr lang="en-US"/>
+                    </a:p>
+                  </a:txBody>
+                  <a:tcPr/>
+                </a:tc>
+                <a:tc>
+                  <a:txBody>
+                    <a:bodyPr/>
+                    <a:lstStyle/>
+                    <a:p>
+                      <a:endParaRPr lang="en-US" dirty="0"/>
+                    </a:p>
+                  </a:txBody>
+                  <a:tcPr/>
+                </a:tc>
+                <a:extLst>
+                  <a:ext uri="{0D108BD9-81ED-4DB2-BD59-A6C34878D82A}">
+                    <a16:rowId xmlns:a16="http://schemas.microsoft.com/office/drawing/2014/main" val="3348174843"/>
+                  </a:ext>
+                </a:extLst>
+              </a:tr>
+            </a:tbl>
+          </a:graphicData>
+        </a:graphic>
+      </p:graphicFrame>
+    </p:spTree>
+    <p:extLst>
+      <p:ext uri="{BB962C8B-B14F-4D97-AF65-F5344CB8AC3E}">
+        <p14:creationId xmlns:p14="http://schemas.microsoft.com/office/powerpoint/2010/main" val="2933748247"/>
       </p:ext>
     </p:extLst>
   </p:cSld>
